--- a/Presentations/Schlussdemo.pptx
+++ b/Presentations/Schlussdemo.pptx
@@ -13,10 +13,10 @@
     <p:sldId id="280" r:id="rId4"/>
     <p:sldId id="274" r:id="rId5"/>
     <p:sldId id="281" r:id="rId6"/>
-    <p:sldId id="282" r:id="rId7"/>
-    <p:sldId id="284" r:id="rId8"/>
-    <p:sldId id="283" r:id="rId9"/>
-    <p:sldId id="287" r:id="rId10"/>
+    <p:sldId id="283" r:id="rId7"/>
+    <p:sldId id="287" r:id="rId8"/>
+    <p:sldId id="288" r:id="rId9"/>
+    <p:sldId id="284" r:id="rId10"/>
     <p:sldId id="285" r:id="rId11"/>
     <p:sldId id="286" r:id="rId12"/>
   </p:sldIdLst>
@@ -207,7 +207,7 @@
           <a:p>
             <a:fld id="{2832E173-CBEE-40C4-8B5C-B152BB46A1A6}" type="datetimeFigureOut">
               <a:rPr lang="de-CH" smtClean="0"/>
-              <a:t>23.05.2022</a:t>
+              <a:t>24.05.2022</a:t>
             </a:fld>
             <a:endParaRPr lang="de-CH"/>
           </a:p>
@@ -1617,7 +1617,7 @@
     </p:spTree>
     <p:extLst>
       <p:ext uri="{BB962C8B-B14F-4D97-AF65-F5344CB8AC3E}">
-        <p14:creationId xmlns:p14="http://schemas.microsoft.com/office/powerpoint/2010/main" val="1805427782"/>
+        <p14:creationId xmlns:p14="http://schemas.microsoft.com/office/powerpoint/2010/main" val="3412161458"/>
       </p:ext>
     </p:extLst>
   </p:cSld>
@@ -1761,7 +1761,7 @@
     </p:spTree>
     <p:extLst>
       <p:ext uri="{BB962C8B-B14F-4D97-AF65-F5344CB8AC3E}">
-        <p14:creationId xmlns:p14="http://schemas.microsoft.com/office/powerpoint/2010/main" val="3735380728"/>
+        <p14:creationId xmlns:p14="http://schemas.microsoft.com/office/powerpoint/2010/main" val="3512547333"/>
       </p:ext>
     </p:extLst>
   </p:cSld>
@@ -1905,7 +1905,7 @@
     </p:spTree>
     <p:extLst>
       <p:ext uri="{BB962C8B-B14F-4D97-AF65-F5344CB8AC3E}">
-        <p14:creationId xmlns:p14="http://schemas.microsoft.com/office/powerpoint/2010/main" val="3412161458"/>
+        <p14:creationId xmlns:p14="http://schemas.microsoft.com/office/powerpoint/2010/main" val="2116257588"/>
       </p:ext>
     </p:extLst>
   </p:cSld>
@@ -2049,7 +2049,7 @@
     </p:spTree>
     <p:extLst>
       <p:ext uri="{BB962C8B-B14F-4D97-AF65-F5344CB8AC3E}">
-        <p14:creationId xmlns:p14="http://schemas.microsoft.com/office/powerpoint/2010/main" val="3512547333"/>
+        <p14:creationId xmlns:p14="http://schemas.microsoft.com/office/powerpoint/2010/main" val="3735380728"/>
       </p:ext>
     </p:extLst>
   </p:cSld>
@@ -2208,7 +2208,7 @@
           <a:p>
             <a:fld id="{E4275066-DDD4-3E4A-A153-3A537887E211}" type="datetimeFigureOut">
               <a:rPr lang="en-GB" smtClean="0"/>
-              <a:t>23/05/2022</a:t>
+              <a:t>24/05/2022</a:t>
             </a:fld>
             <a:endParaRPr lang="en-GB" dirty="0"/>
           </a:p>
@@ -2408,7 +2408,7 @@
           <a:p>
             <a:fld id="{E4275066-DDD4-3E4A-A153-3A537887E211}" type="datetimeFigureOut">
               <a:rPr lang="en-GB" smtClean="0"/>
-              <a:t>23/05/2022</a:t>
+              <a:t>24/05/2022</a:t>
             </a:fld>
             <a:endParaRPr lang="en-GB" dirty="0"/>
           </a:p>
@@ -2618,7 +2618,7 @@
           <a:p>
             <a:fld id="{E4275066-DDD4-3E4A-A153-3A537887E211}" type="datetimeFigureOut">
               <a:rPr lang="en-GB" smtClean="0"/>
-              <a:t>23/05/2022</a:t>
+              <a:t>24/05/2022</a:t>
             </a:fld>
             <a:endParaRPr lang="en-GB" dirty="0"/>
           </a:p>
@@ -2818,7 +2818,7 @@
           <a:p>
             <a:fld id="{E4275066-DDD4-3E4A-A153-3A537887E211}" type="datetimeFigureOut">
               <a:rPr lang="en-GB" smtClean="0"/>
-              <a:t>23/05/2022</a:t>
+              <a:t>24/05/2022</a:t>
             </a:fld>
             <a:endParaRPr lang="en-GB" dirty="0"/>
           </a:p>
@@ -3094,7 +3094,7 @@
           <a:p>
             <a:fld id="{E4275066-DDD4-3E4A-A153-3A537887E211}" type="datetimeFigureOut">
               <a:rPr lang="en-GB" smtClean="0"/>
-              <a:t>23/05/2022</a:t>
+              <a:t>24/05/2022</a:t>
             </a:fld>
             <a:endParaRPr lang="en-GB" dirty="0"/>
           </a:p>
@@ -3362,7 +3362,7 @@
           <a:p>
             <a:fld id="{E4275066-DDD4-3E4A-A153-3A537887E211}" type="datetimeFigureOut">
               <a:rPr lang="en-GB" smtClean="0"/>
-              <a:t>23/05/2022</a:t>
+              <a:t>24/05/2022</a:t>
             </a:fld>
             <a:endParaRPr lang="en-GB" dirty="0"/>
           </a:p>
@@ -3782,7 +3782,7 @@
           <a:p>
             <a:fld id="{E4275066-DDD4-3E4A-A153-3A537887E211}" type="datetimeFigureOut">
               <a:rPr lang="en-GB" smtClean="0"/>
-              <a:t>23/05/2022</a:t>
+              <a:t>24/05/2022</a:t>
             </a:fld>
             <a:endParaRPr lang="en-GB" dirty="0"/>
           </a:p>
@@ -3929,7 +3929,7 @@
           <a:p>
             <a:fld id="{E4275066-DDD4-3E4A-A153-3A537887E211}" type="datetimeFigureOut">
               <a:rPr lang="en-GB" smtClean="0"/>
-              <a:t>23/05/2022</a:t>
+              <a:t>24/05/2022</a:t>
             </a:fld>
             <a:endParaRPr lang="en-GB" dirty="0"/>
           </a:p>
@@ -4042,7 +4042,7 @@
           <a:p>
             <a:fld id="{E4275066-DDD4-3E4A-A153-3A537887E211}" type="datetimeFigureOut">
               <a:rPr lang="en-GB" smtClean="0"/>
-              <a:t>23/05/2022</a:t>
+              <a:t>24/05/2022</a:t>
             </a:fld>
             <a:endParaRPr lang="en-GB" dirty="0"/>
           </a:p>
@@ -4355,7 +4355,7 @@
           <a:p>
             <a:fld id="{E4275066-DDD4-3E4A-A153-3A537887E211}" type="datetimeFigureOut">
               <a:rPr lang="en-GB" smtClean="0"/>
-              <a:t>23/05/2022</a:t>
+              <a:t>24/05/2022</a:t>
             </a:fld>
             <a:endParaRPr lang="en-GB" dirty="0"/>
           </a:p>
@@ -4649,7 +4649,7 @@
           <a:p>
             <a:fld id="{E4275066-DDD4-3E4A-A153-3A537887E211}" type="datetimeFigureOut">
               <a:rPr lang="en-GB" smtClean="0"/>
-              <a:t>23/05/2022</a:t>
+              <a:t>24/05/2022</a:t>
             </a:fld>
             <a:endParaRPr lang="en-GB" dirty="0"/>
           </a:p>
@@ -4895,7 +4895,7 @@
           <a:p>
             <a:fld id="{E4275066-DDD4-3E4A-A153-3A537887E211}" type="datetimeFigureOut">
               <a:rPr lang="en-GB" smtClean="0"/>
-              <a:t>23/05/2022</a:t>
+              <a:t>24/05/2022</a:t>
             </a:fld>
             <a:endParaRPr lang="en-GB" dirty="0"/>
           </a:p>
@@ -6972,9 +6972,29 @@
             </a:r>
           </a:p>
           <a:p>
+            <a:pPr lvl="1"/>
             <a:r>
               <a:rPr lang="de-CH" dirty="0"/>
-              <a:t>Viele Spannende und vielfältige Aufgaben</a:t>
+              <a:t>Was will der Kund?</a:t>
+            </a:r>
+          </a:p>
+          <a:p>
+            <a:pPr lvl="1"/>
+            <a:r>
+              <a:rPr lang="de-CH" dirty="0"/>
+              <a:t>Wie Nachfragen?</a:t>
+            </a:r>
+          </a:p>
+          <a:p>
+            <a:r>
+              <a:rPr lang="de-CH" dirty="0"/>
+              <a:t>Viele spannende und vielfältige Aufgaben</a:t>
+            </a:r>
+          </a:p>
+          <a:p>
+            <a:r>
+              <a:rPr lang="de-CH" dirty="0"/>
+              <a:t>Kein eigenes Projekt</a:t>
             </a:r>
           </a:p>
         </p:txBody>
@@ -12231,54 +12251,6 @@
       </p:sp>
       <p:sp>
         <p:nvSpPr>
-          <p:cNvPr id="11" name="Inhaltsplatzhalter 2">
-            <a:extLst>
-              <a:ext uri="{FF2B5EF4-FFF2-40B4-BE49-F238E27FC236}">
-                <a16:creationId xmlns:a16="http://schemas.microsoft.com/office/drawing/2014/main" id="{70FC9368-72F9-438F-A51C-C909C056EF8D}"/>
-              </a:ext>
-            </a:extLst>
-          </p:cNvPr>
-          <p:cNvSpPr>
-            <a:spLocks noGrp="1"/>
-          </p:cNvSpPr>
-          <p:nvPr>
-            <p:ph idx="1"/>
-          </p:nvPr>
-        </p:nvSpPr>
-        <p:spPr>
-          <a:xfrm>
-            <a:off x="838200" y="1825625"/>
-            <a:ext cx="10515600" cy="4351338"/>
-          </a:xfrm>
-        </p:spPr>
-        <p:txBody>
-          <a:bodyPr/>
-          <a:lstStyle/>
-          <a:p>
-            <a:r>
-              <a:rPr lang="de-CH" dirty="0"/>
-              <a:t>Use Case zu simulieren</a:t>
-            </a:r>
-          </a:p>
-          <a:p>
-            <a:r>
-              <a:rPr lang="de-CH" dirty="0"/>
-              <a:t>Prüft ob das implementierte für den User funktioniert. </a:t>
-            </a:r>
-          </a:p>
-          <a:p>
-            <a:r>
-              <a:rPr lang="de-CH" dirty="0"/>
-              <a:t>Vorhandenes zu testen damit man sieht wenn etwas kaputt geht. </a:t>
-            </a:r>
-          </a:p>
-          <a:p>
-            <a:endParaRPr lang="de-CH" dirty="0"/>
-          </a:p>
-        </p:txBody>
-      </p:sp>
-      <p:sp>
-        <p:nvSpPr>
           <p:cNvPr id="15" name="Titel 1">
             <a:extLst>
               <a:ext uri="{FF2B5EF4-FFF2-40B4-BE49-F238E27FC236}">
@@ -12306,23 +12278,72 @@
             <a:pPr algn="ctr"/>
             <a:r>
               <a:rPr lang="de-CH" dirty="0"/>
-              <a:t>System Tests/End </a:t>
+              <a:t>LOG/Protokoll</a:t>
+            </a:r>
+          </a:p>
+        </p:txBody>
+      </p:sp>
+      <p:sp>
+        <p:nvSpPr>
+          <p:cNvPr id="26" name="Inhaltsplatzhalter 25">
+            <a:extLst>
+              <a:ext uri="{FF2B5EF4-FFF2-40B4-BE49-F238E27FC236}">
+                <a16:creationId xmlns:a16="http://schemas.microsoft.com/office/drawing/2014/main" id="{F6115DC1-877F-1F64-F456-1740C99A8D53}"/>
+              </a:ext>
+            </a:extLst>
+          </p:cNvPr>
+          <p:cNvSpPr>
+            <a:spLocks noGrp="1"/>
+          </p:cNvSpPr>
+          <p:nvPr>
+            <p:ph idx="1"/>
+          </p:nvPr>
+        </p:nvSpPr>
+        <p:spPr/>
+        <p:txBody>
+          <a:bodyPr/>
+          <a:lstStyle/>
+          <a:p>
+            <a:endParaRPr lang="de-CH" dirty="0"/>
+          </a:p>
+          <a:p>
+            <a:endParaRPr lang="de-CH" dirty="0"/>
+          </a:p>
+          <a:p>
+            <a:endParaRPr lang="de-CH" dirty="0"/>
+          </a:p>
+          <a:p>
+            <a:r>
+              <a:rPr lang="de-CH" dirty="0"/>
+              <a:t>Bin ich </a:t>
             </a:r>
             <a:r>
               <a:rPr lang="de-CH" dirty="0" err="1"/>
-              <a:t>to</a:t>
+              <a:t>gehacked</a:t>
             </a:r>
             <a:r>
               <a:rPr lang="de-CH" dirty="0"/>
-              <a:t> End </a:t>
+              <a:t> worden?</a:t>
             </a:r>
+          </a:p>
+          <a:p>
+            <a:r>
+              <a:rPr lang="de-CH" dirty="0"/>
+              <a:t>Was wurde entwendet?</a:t>
+            </a:r>
+          </a:p>
+          <a:p>
+            <a:endParaRPr lang="de-CH" dirty="0"/>
+          </a:p>
+          <a:p>
+            <a:endParaRPr lang="de-CH" dirty="0"/>
           </a:p>
         </p:txBody>
       </p:sp>
     </p:spTree>
     <p:extLst>
       <p:ext uri="{BB962C8B-B14F-4D97-AF65-F5344CB8AC3E}">
-        <p14:creationId xmlns:p14="http://schemas.microsoft.com/office/powerpoint/2010/main" val="4025345752"/>
+        <p14:creationId xmlns:p14="http://schemas.microsoft.com/office/powerpoint/2010/main" val="743324813"/>
       </p:ext>
     </p:extLst>
   </p:cSld>
@@ -12333,6 +12354,1884 @@
 </file>
 
 <file path=ppt/slides/slide7.xml><?xml version="1.0" encoding="utf-8"?>
+<p:sld xmlns:a="http://schemas.openxmlformats.org/drawingml/2006/main" xmlns:r="http://schemas.openxmlformats.org/officeDocument/2006/relationships" xmlns:p="http://schemas.openxmlformats.org/presentationml/2006/main">
+  <p:cSld>
+    <p:spTree>
+      <p:nvGrpSpPr>
+        <p:cNvPr id="1" name=""/>
+        <p:cNvGrpSpPr/>
+        <p:nvPr/>
+      </p:nvGrpSpPr>
+      <p:grpSpPr>
+        <a:xfrm>
+          <a:off x="0" y="0"/>
+          <a:ext cx="0" cy="0"/>
+          <a:chOff x="0" y="0"/>
+          <a:chExt cx="0" cy="0"/>
+        </a:xfrm>
+      </p:grpSpPr>
+      <p:sp>
+        <p:nvSpPr>
+          <p:cNvPr id="8" name="Rectangle 7">
+            <a:extLst>
+              <a:ext uri="{FF2B5EF4-FFF2-40B4-BE49-F238E27FC236}">
+                <a16:creationId xmlns:a16="http://schemas.microsoft.com/office/drawing/2014/main" id="{46D6306C-ED4F-4AAE-B4A5-EEA6AFAD726E}"/>
+              </a:ext>
+              <a:ext uri="{C183D7F6-B498-43B3-948B-1728B52AA6E4}">
+                <adec:decorative xmlns:adec="http://schemas.microsoft.com/office/drawing/2017/decorative" val="1"/>
+              </a:ext>
+            </a:extLst>
+          </p:cNvPr>
+          <p:cNvSpPr>
+            <a:spLocks noGrp="1" noRot="1" noChangeAspect="1" noMove="1" noResize="1" noEditPoints="1" noAdjustHandles="1" noChangeArrowheads="1" noChangeShapeType="1" noTextEdit="1"/>
+          </p:cNvSpPr>
+          <p:nvPr>
+            <p:extLst>
+              <p:ext uri="{386F3935-93C4-4BCD-93E2-E3B085C9AB24}">
+                <p16:designElem xmlns:p16="http://schemas.microsoft.com/office/powerpoint/2015/main" val="1"/>
+              </p:ext>
+            </p:extLst>
+          </p:nvPr>
+        </p:nvSpPr>
+        <p:spPr>
+          <a:xfrm>
+            <a:off x="0" y="0"/>
+            <a:ext cx="12192000" cy="6858000"/>
+          </a:xfrm>
+          <a:prstGeom prst="rect">
+            <a:avLst/>
+          </a:prstGeom>
+          <a:solidFill>
+            <a:schemeClr val="bg1"/>
+          </a:solidFill>
+          <a:ln>
+            <a:noFill/>
+          </a:ln>
+        </p:spPr>
+        <p:style>
+          <a:lnRef idx="2">
+            <a:schemeClr val="accent1">
+              <a:shade val="50000"/>
+            </a:schemeClr>
+          </a:lnRef>
+          <a:fillRef idx="1">
+            <a:schemeClr val="accent1"/>
+          </a:fillRef>
+          <a:effectRef idx="0">
+            <a:schemeClr val="accent1"/>
+          </a:effectRef>
+          <a:fontRef idx="minor">
+            <a:schemeClr val="lt1"/>
+          </a:fontRef>
+        </p:style>
+        <p:txBody>
+          <a:bodyPr rtlCol="0" anchor="ctr"/>
+          <a:lstStyle/>
+          <a:p>
+            <a:pPr marL="0" marR="0" lvl="0" indent="0" algn="ctr" defTabSz="914400" rtl="0" eaLnBrk="1" fontAlgn="auto" latinLnBrk="0" hangingPunct="1">
+              <a:lnSpc>
+                <a:spcPct val="100000"/>
+              </a:lnSpc>
+              <a:spcBef>
+                <a:spcPts val="0"/>
+              </a:spcBef>
+              <a:spcAft>
+                <a:spcPts val="0"/>
+              </a:spcAft>
+              <a:buClrTx/>
+              <a:buSzTx/>
+              <a:buFontTx/>
+              <a:buNone/>
+              <a:tabLst/>
+              <a:defRPr/>
+            </a:pPr>
+            <a:endParaRPr kumimoji="0" lang="en-US" sz="1800" b="0" i="0" u="none" strike="noStrike" kern="1200" cap="none" spc="0" normalizeH="0" baseline="0" noProof="0" dirty="0">
+              <a:ln>
+                <a:noFill/>
+              </a:ln>
+              <a:solidFill>
+                <a:prstClr val="white"/>
+              </a:solidFill>
+              <a:effectLst/>
+              <a:uLnTx/>
+              <a:uFillTx/>
+              <a:latin typeface="Calibri" panose="020F0502020204030204"/>
+              <a:ea typeface="+mn-ea"/>
+              <a:cs typeface="+mn-cs"/>
+            </a:endParaRPr>
+          </a:p>
+        </p:txBody>
+      </p:sp>
+      <p:sp>
+        <p:nvSpPr>
+          <p:cNvPr id="10" name="Rectangle 9">
+            <a:extLst>
+              <a:ext uri="{FF2B5EF4-FFF2-40B4-BE49-F238E27FC236}">
+                <a16:creationId xmlns:a16="http://schemas.microsoft.com/office/drawing/2014/main" id="{0EC5361D-F897-4856-B945-0455A365EB24}"/>
+              </a:ext>
+              <a:ext uri="{C183D7F6-B498-43B3-948B-1728B52AA6E4}">
+                <adec:decorative xmlns:adec="http://schemas.microsoft.com/office/drawing/2017/decorative" val="1"/>
+              </a:ext>
+            </a:extLst>
+          </p:cNvPr>
+          <p:cNvSpPr>
+            <a:spLocks noGrp="1" noRot="1" noChangeAspect="1" noMove="1" noResize="1" noEditPoints="1" noAdjustHandles="1" noChangeArrowheads="1" noChangeShapeType="1" noTextEdit="1"/>
+          </p:cNvSpPr>
+          <p:nvPr>
+            <p:extLst>
+              <p:ext uri="{386F3935-93C4-4BCD-93E2-E3B085C9AB24}">
+                <p16:designElem xmlns:p16="http://schemas.microsoft.com/office/powerpoint/2015/main" val="1"/>
+              </p:ext>
+            </p:extLst>
+          </p:nvPr>
+        </p:nvSpPr>
+        <p:spPr>
+          <a:xfrm rot="2700000">
+            <a:off x="415435" y="655140"/>
+            <a:ext cx="687472" cy="687472"/>
+          </a:xfrm>
+          <a:prstGeom prst="rect">
+            <a:avLst/>
+          </a:prstGeom>
+          <a:solidFill>
+            <a:schemeClr val="accent4">
+              <a:alpha val="30000"/>
+            </a:schemeClr>
+          </a:solidFill>
+          <a:ln>
+            <a:noFill/>
+          </a:ln>
+        </p:spPr>
+        <p:style>
+          <a:lnRef idx="2">
+            <a:schemeClr val="accent1">
+              <a:shade val="50000"/>
+            </a:schemeClr>
+          </a:lnRef>
+          <a:fillRef idx="1">
+            <a:schemeClr val="accent1"/>
+          </a:fillRef>
+          <a:effectRef idx="0">
+            <a:schemeClr val="accent1"/>
+          </a:effectRef>
+          <a:fontRef idx="minor">
+            <a:schemeClr val="lt1"/>
+          </a:fontRef>
+        </p:style>
+        <p:txBody>
+          <a:bodyPr rtlCol="0" anchor="ctr"/>
+          <a:lstStyle/>
+          <a:p>
+            <a:pPr marL="0" marR="0" lvl="0" indent="0" algn="ctr" defTabSz="914400" rtl="0" eaLnBrk="1" fontAlgn="auto" latinLnBrk="0" hangingPunct="1">
+              <a:lnSpc>
+                <a:spcPct val="100000"/>
+              </a:lnSpc>
+              <a:spcBef>
+                <a:spcPts val="0"/>
+              </a:spcBef>
+              <a:spcAft>
+                <a:spcPts val="0"/>
+              </a:spcAft>
+              <a:buClrTx/>
+              <a:buSzTx/>
+              <a:buFontTx/>
+              <a:buNone/>
+              <a:tabLst/>
+              <a:defRPr/>
+            </a:pPr>
+            <a:endParaRPr kumimoji="0" lang="en-US" sz="1800" b="0" i="0" u="none" strike="noStrike" kern="1200" cap="none" spc="0" normalizeH="0" baseline="0" noProof="0" dirty="0">
+              <a:ln>
+                <a:noFill/>
+              </a:ln>
+              <a:solidFill>
+                <a:prstClr val="white"/>
+              </a:solidFill>
+              <a:effectLst/>
+              <a:uLnTx/>
+              <a:uFillTx/>
+              <a:latin typeface="Calibri" panose="020F0502020204030204"/>
+              <a:ea typeface="+mn-ea"/>
+              <a:cs typeface="+mn-cs"/>
+            </a:endParaRPr>
+          </a:p>
+        </p:txBody>
+      </p:sp>
+      <p:sp>
+        <p:nvSpPr>
+          <p:cNvPr id="12" name="Freeform: Shape 11">
+            <a:extLst>
+              <a:ext uri="{FF2B5EF4-FFF2-40B4-BE49-F238E27FC236}">
+                <a16:creationId xmlns:a16="http://schemas.microsoft.com/office/drawing/2014/main" id="{4508C0C5-2268-42B5-B3C8-4D0899E05F8C}"/>
+              </a:ext>
+              <a:ext uri="{C183D7F6-B498-43B3-948B-1728B52AA6E4}">
+                <adec:decorative xmlns:adec="http://schemas.microsoft.com/office/drawing/2017/decorative" val="1"/>
+              </a:ext>
+            </a:extLst>
+          </p:cNvPr>
+          <p:cNvSpPr>
+            <a:spLocks noGrp="1" noRot="1" noChangeAspect="1" noMove="1" noResize="1" noEditPoints="1" noAdjustHandles="1" noChangeArrowheads="1" noChangeShapeType="1" noTextEdit="1"/>
+          </p:cNvSpPr>
+          <p:nvPr>
+            <p:extLst>
+              <p:ext uri="{386F3935-93C4-4BCD-93E2-E3B085C9AB24}">
+                <p16:designElem xmlns:p16="http://schemas.microsoft.com/office/powerpoint/2015/main" val="1"/>
+              </p:ext>
+            </p:extLst>
+          </p:nvPr>
+        </p:nvSpPr>
+        <p:spPr>
+          <a:xfrm rot="10800000">
+            <a:off x="0" y="0"/>
+            <a:ext cx="2835357" cy="1480837"/>
+          </a:xfrm>
+          <a:custGeom>
+            <a:avLst/>
+            <a:gdLst>
+              <a:gd name="connsiteX0" fmla="*/ 2835357 w 2835357"/>
+              <a:gd name="connsiteY0" fmla="*/ 1480837 h 1480837"/>
+              <a:gd name="connsiteX1" fmla="*/ 0 w 2835357"/>
+              <a:gd name="connsiteY1" fmla="*/ 1480837 h 1480837"/>
+              <a:gd name="connsiteX2" fmla="*/ 1552727 w 2835357"/>
+              <a:gd name="connsiteY2" fmla="*/ 0 h 1480837"/>
+              <a:gd name="connsiteX3" fmla="*/ 2835357 w 2835357"/>
+              <a:gd name="connsiteY3" fmla="*/ 1223245 h 1480837"/>
+            </a:gdLst>
+            <a:ahLst/>
+            <a:cxnLst>
+              <a:cxn ang="0">
+                <a:pos x="connsiteX0" y="connsiteY0"/>
+              </a:cxn>
+              <a:cxn ang="0">
+                <a:pos x="connsiteX1" y="connsiteY1"/>
+              </a:cxn>
+              <a:cxn ang="0">
+                <a:pos x="connsiteX2" y="connsiteY2"/>
+              </a:cxn>
+              <a:cxn ang="0">
+                <a:pos x="connsiteX3" y="connsiteY3"/>
+              </a:cxn>
+            </a:cxnLst>
+            <a:rect l="l" t="t" r="r" b="b"/>
+            <a:pathLst>
+              <a:path w="2835357" h="1480837">
+                <a:moveTo>
+                  <a:pt x="2835357" y="1480837"/>
+                </a:moveTo>
+                <a:lnTo>
+                  <a:pt x="0" y="1480837"/>
+                </a:lnTo>
+                <a:lnTo>
+                  <a:pt x="1552727" y="0"/>
+                </a:lnTo>
+                <a:lnTo>
+                  <a:pt x="2835357" y="1223245"/>
+                </a:lnTo>
+                <a:close/>
+              </a:path>
+            </a:pathLst>
+          </a:custGeom>
+          <a:solidFill>
+            <a:schemeClr val="accent4">
+              <a:alpha val="30000"/>
+            </a:schemeClr>
+          </a:solidFill>
+          <a:ln>
+            <a:noFill/>
+          </a:ln>
+        </p:spPr>
+        <p:style>
+          <a:lnRef idx="2">
+            <a:schemeClr val="accent1">
+              <a:shade val="50000"/>
+            </a:schemeClr>
+          </a:lnRef>
+          <a:fillRef idx="1">
+            <a:schemeClr val="accent1"/>
+          </a:fillRef>
+          <a:effectRef idx="0">
+            <a:schemeClr val="accent1"/>
+          </a:effectRef>
+          <a:fontRef idx="minor">
+            <a:schemeClr val="lt1"/>
+          </a:fontRef>
+        </p:style>
+        <p:txBody>
+          <a:bodyPr wrap="square" rtlCol="0" anchor="ctr">
+            <a:noAutofit/>
+          </a:bodyPr>
+          <a:lstStyle/>
+          <a:p>
+            <a:pPr marL="0" marR="0" lvl="0" indent="0" algn="ctr" defTabSz="914400" rtl="0" eaLnBrk="1" fontAlgn="auto" latinLnBrk="0" hangingPunct="1">
+              <a:lnSpc>
+                <a:spcPct val="100000"/>
+              </a:lnSpc>
+              <a:spcBef>
+                <a:spcPts val="0"/>
+              </a:spcBef>
+              <a:spcAft>
+                <a:spcPts val="0"/>
+              </a:spcAft>
+              <a:buClrTx/>
+              <a:buSzTx/>
+              <a:buFontTx/>
+              <a:buNone/>
+              <a:tabLst/>
+              <a:defRPr/>
+            </a:pPr>
+            <a:endParaRPr kumimoji="0" lang="en-US" sz="1800" b="0" i="0" u="none" strike="noStrike" kern="1200" cap="none" spc="0" normalizeH="0" baseline="0" noProof="0" dirty="0">
+              <a:ln>
+                <a:noFill/>
+              </a:ln>
+              <a:solidFill>
+                <a:prstClr val="white"/>
+              </a:solidFill>
+              <a:effectLst/>
+              <a:uLnTx/>
+              <a:uFillTx/>
+              <a:latin typeface="Calibri" panose="020F0502020204030204"/>
+              <a:ea typeface="+mn-ea"/>
+              <a:cs typeface="+mn-cs"/>
+            </a:endParaRPr>
+          </a:p>
+        </p:txBody>
+      </p:sp>
+      <p:sp>
+        <p:nvSpPr>
+          <p:cNvPr id="14" name="Freeform: Shape 13">
+            <a:extLst>
+              <a:ext uri="{FF2B5EF4-FFF2-40B4-BE49-F238E27FC236}">
+                <a16:creationId xmlns:a16="http://schemas.microsoft.com/office/drawing/2014/main" id="{141ACBDB-38F8-4B34-8183-BD95B4E55A62}"/>
+              </a:ext>
+              <a:ext uri="{C183D7F6-B498-43B3-948B-1728B52AA6E4}">
+                <adec:decorative xmlns:adec="http://schemas.microsoft.com/office/drawing/2017/decorative" val="1"/>
+              </a:ext>
+            </a:extLst>
+          </p:cNvPr>
+          <p:cNvSpPr>
+            <a:spLocks noGrp="1" noRot="1" noChangeAspect="1" noMove="1" noResize="1" noEditPoints="1" noAdjustHandles="1" noChangeArrowheads="1" noChangeShapeType="1" noTextEdit="1"/>
+          </p:cNvSpPr>
+          <p:nvPr>
+            <p:extLst>
+              <p:ext uri="{386F3935-93C4-4BCD-93E2-E3B085C9AB24}">
+                <p16:designElem xmlns:p16="http://schemas.microsoft.com/office/powerpoint/2015/main" val="1"/>
+              </p:ext>
+            </p:extLst>
+          </p:nvPr>
+        </p:nvSpPr>
+        <p:spPr>
+          <a:xfrm rot="2700000">
+            <a:off x="10739327" y="-253670"/>
+            <a:ext cx="1827638" cy="1376989"/>
+          </a:xfrm>
+          <a:custGeom>
+            <a:avLst/>
+            <a:gdLst>
+              <a:gd name="connsiteX0" fmla="*/ 0 w 1827638"/>
+              <a:gd name="connsiteY0" fmla="*/ 987379 h 1376989"/>
+              <a:gd name="connsiteX1" fmla="*/ 987379 w 1827638"/>
+              <a:gd name="connsiteY1" fmla="*/ 0 h 1376989"/>
+              <a:gd name="connsiteX2" fmla="*/ 1827638 w 1827638"/>
+              <a:gd name="connsiteY2" fmla="*/ 840260 h 1376989"/>
+              <a:gd name="connsiteX3" fmla="*/ 1827638 w 1827638"/>
+              <a:gd name="connsiteY3" fmla="*/ 1376989 h 1376989"/>
+              <a:gd name="connsiteX4" fmla="*/ 0 w 1827638"/>
+              <a:gd name="connsiteY4" fmla="*/ 1376989 h 1376989"/>
+            </a:gdLst>
+            <a:ahLst/>
+            <a:cxnLst>
+              <a:cxn ang="0">
+                <a:pos x="connsiteX0" y="connsiteY0"/>
+              </a:cxn>
+              <a:cxn ang="0">
+                <a:pos x="connsiteX1" y="connsiteY1"/>
+              </a:cxn>
+              <a:cxn ang="0">
+                <a:pos x="connsiteX2" y="connsiteY2"/>
+              </a:cxn>
+              <a:cxn ang="0">
+                <a:pos x="connsiteX3" y="connsiteY3"/>
+              </a:cxn>
+              <a:cxn ang="0">
+                <a:pos x="connsiteX4" y="connsiteY4"/>
+              </a:cxn>
+            </a:cxnLst>
+            <a:rect l="l" t="t" r="r" b="b"/>
+            <a:pathLst>
+              <a:path w="1827638" h="1376989">
+                <a:moveTo>
+                  <a:pt x="0" y="987379"/>
+                </a:moveTo>
+                <a:lnTo>
+                  <a:pt x="987379" y="0"/>
+                </a:lnTo>
+                <a:lnTo>
+                  <a:pt x="1827638" y="840260"/>
+                </a:lnTo>
+                <a:lnTo>
+                  <a:pt x="1827638" y="1376989"/>
+                </a:lnTo>
+                <a:lnTo>
+                  <a:pt x="0" y="1376989"/>
+                </a:lnTo>
+                <a:close/>
+              </a:path>
+            </a:pathLst>
+          </a:custGeom>
+          <a:solidFill>
+            <a:schemeClr val="accent1">
+              <a:alpha val="30000"/>
+            </a:schemeClr>
+          </a:solidFill>
+          <a:ln>
+            <a:noFill/>
+          </a:ln>
+        </p:spPr>
+        <p:style>
+          <a:lnRef idx="2">
+            <a:schemeClr val="accent1">
+              <a:shade val="50000"/>
+            </a:schemeClr>
+          </a:lnRef>
+          <a:fillRef idx="1">
+            <a:schemeClr val="accent1"/>
+          </a:fillRef>
+          <a:effectRef idx="0">
+            <a:schemeClr val="accent1"/>
+          </a:effectRef>
+          <a:fontRef idx="minor">
+            <a:schemeClr val="lt1"/>
+          </a:fontRef>
+        </p:style>
+        <p:txBody>
+          <a:bodyPr wrap="square" rtlCol="0" anchor="ctr">
+            <a:noAutofit/>
+          </a:bodyPr>
+          <a:lstStyle/>
+          <a:p>
+            <a:pPr marL="0" marR="0" lvl="0" indent="0" algn="ctr" defTabSz="914400" rtl="0" eaLnBrk="1" fontAlgn="auto" latinLnBrk="0" hangingPunct="1">
+              <a:lnSpc>
+                <a:spcPct val="100000"/>
+              </a:lnSpc>
+              <a:spcBef>
+                <a:spcPts val="0"/>
+              </a:spcBef>
+              <a:spcAft>
+                <a:spcPts val="0"/>
+              </a:spcAft>
+              <a:buClrTx/>
+              <a:buSzTx/>
+              <a:buFontTx/>
+              <a:buNone/>
+              <a:tabLst/>
+              <a:defRPr/>
+            </a:pPr>
+            <a:endParaRPr kumimoji="0" lang="en-US" sz="1800" b="0" i="0" u="none" strike="noStrike" kern="1200" cap="none" spc="0" normalizeH="0" baseline="0" noProof="0" dirty="0">
+              <a:ln>
+                <a:noFill/>
+              </a:ln>
+              <a:solidFill>
+                <a:prstClr val="white"/>
+              </a:solidFill>
+              <a:effectLst/>
+              <a:uLnTx/>
+              <a:uFillTx/>
+              <a:latin typeface="Calibri" panose="020F0502020204030204"/>
+              <a:ea typeface="+mn-ea"/>
+              <a:cs typeface="+mn-cs"/>
+            </a:endParaRPr>
+          </a:p>
+        </p:txBody>
+      </p:sp>
+      <p:sp>
+        <p:nvSpPr>
+          <p:cNvPr id="16" name="Rectangle 15">
+            <a:extLst>
+              <a:ext uri="{FF2B5EF4-FFF2-40B4-BE49-F238E27FC236}">
+                <a16:creationId xmlns:a16="http://schemas.microsoft.com/office/drawing/2014/main" id="{DE00DB52-3455-4E2F-867B-A6D0516E175B}"/>
+              </a:ext>
+              <a:ext uri="{C183D7F6-B498-43B3-948B-1728B52AA6E4}">
+                <adec:decorative xmlns:adec="http://schemas.microsoft.com/office/drawing/2017/decorative" val="1"/>
+              </a:ext>
+            </a:extLst>
+          </p:cNvPr>
+          <p:cNvSpPr>
+            <a:spLocks noGrp="1" noRot="1" noChangeAspect="1" noMove="1" noResize="1" noEditPoints="1" noAdjustHandles="1" noChangeArrowheads="1" noChangeShapeType="1" noTextEdit="1"/>
+          </p:cNvSpPr>
+          <p:nvPr>
+            <p:extLst>
+              <p:ext uri="{386F3935-93C4-4BCD-93E2-E3B085C9AB24}">
+                <p16:designElem xmlns:p16="http://schemas.microsoft.com/office/powerpoint/2015/main" val="1"/>
+              </p:ext>
+            </p:extLst>
+          </p:nvPr>
+        </p:nvSpPr>
+        <p:spPr>
+          <a:xfrm rot="2700000">
+            <a:off x="10653800" y="422146"/>
+            <a:ext cx="645368" cy="645368"/>
+          </a:xfrm>
+          <a:prstGeom prst="rect">
+            <a:avLst/>
+          </a:prstGeom>
+          <a:solidFill>
+            <a:schemeClr val="accent1">
+              <a:alpha val="30000"/>
+            </a:schemeClr>
+          </a:solidFill>
+          <a:ln>
+            <a:noFill/>
+          </a:ln>
+        </p:spPr>
+        <p:style>
+          <a:lnRef idx="2">
+            <a:schemeClr val="accent1">
+              <a:shade val="50000"/>
+            </a:schemeClr>
+          </a:lnRef>
+          <a:fillRef idx="1">
+            <a:schemeClr val="accent1"/>
+          </a:fillRef>
+          <a:effectRef idx="0">
+            <a:schemeClr val="accent1"/>
+          </a:effectRef>
+          <a:fontRef idx="minor">
+            <a:schemeClr val="lt1"/>
+          </a:fontRef>
+        </p:style>
+        <p:txBody>
+          <a:bodyPr wrap="square" rtlCol="0" anchor="ctr">
+            <a:noAutofit/>
+          </a:bodyPr>
+          <a:lstStyle/>
+          <a:p>
+            <a:pPr marL="0" marR="0" lvl="0" indent="0" algn="ctr" defTabSz="914400" rtl="0" eaLnBrk="1" fontAlgn="auto" latinLnBrk="0" hangingPunct="1">
+              <a:lnSpc>
+                <a:spcPct val="100000"/>
+              </a:lnSpc>
+              <a:spcBef>
+                <a:spcPts val="0"/>
+              </a:spcBef>
+              <a:spcAft>
+                <a:spcPts val="0"/>
+              </a:spcAft>
+              <a:buClrTx/>
+              <a:buSzTx/>
+              <a:buFontTx/>
+              <a:buNone/>
+              <a:tabLst/>
+              <a:defRPr/>
+            </a:pPr>
+            <a:endParaRPr kumimoji="0" lang="en-US" sz="1800" b="0" i="0" u="none" strike="noStrike" kern="1200" cap="none" spc="0" normalizeH="0" baseline="0" noProof="0" dirty="0">
+              <a:ln>
+                <a:noFill/>
+              </a:ln>
+              <a:solidFill>
+                <a:prstClr val="white"/>
+              </a:solidFill>
+              <a:effectLst/>
+              <a:uLnTx/>
+              <a:uFillTx/>
+              <a:latin typeface="Calibri" panose="020F0502020204030204"/>
+              <a:ea typeface="+mn-ea"/>
+              <a:cs typeface="+mn-cs"/>
+            </a:endParaRPr>
+          </a:p>
+        </p:txBody>
+      </p:sp>
+      <p:sp>
+        <p:nvSpPr>
+          <p:cNvPr id="18" name="Isosceles Triangle 17">
+            <a:extLst>
+              <a:ext uri="{FF2B5EF4-FFF2-40B4-BE49-F238E27FC236}">
+                <a16:creationId xmlns:a16="http://schemas.microsoft.com/office/drawing/2014/main" id="{9E914C83-E0D8-4953-92D5-169D28CB43AE}"/>
+              </a:ext>
+              <a:ext uri="{C183D7F6-B498-43B3-948B-1728B52AA6E4}">
+                <adec:decorative xmlns:adec="http://schemas.microsoft.com/office/drawing/2017/decorative" val="1"/>
+              </a:ext>
+            </a:extLst>
+          </p:cNvPr>
+          <p:cNvSpPr>
+            <a:spLocks noGrp="1" noRot="1" noChangeAspect="1" noMove="1" noResize="1" noEditPoints="1" noAdjustHandles="1" noChangeArrowheads="1" noChangeShapeType="1" noTextEdit="1"/>
+          </p:cNvSpPr>
+          <p:nvPr>
+            <p:extLst>
+              <p:ext uri="{386F3935-93C4-4BCD-93E2-E3B085C9AB24}">
+                <p16:designElem xmlns:p16="http://schemas.microsoft.com/office/powerpoint/2015/main" val="1"/>
+              </p:ext>
+            </p:extLst>
+          </p:nvPr>
+        </p:nvSpPr>
+        <p:spPr>
+          <a:xfrm>
+            <a:off x="8115423" y="6115501"/>
+            <a:ext cx="1494513" cy="742499"/>
+          </a:xfrm>
+          <a:prstGeom prst="triangle">
+            <a:avLst/>
+          </a:prstGeom>
+          <a:solidFill>
+            <a:schemeClr val="accent1">
+              <a:alpha val="30000"/>
+            </a:schemeClr>
+          </a:solidFill>
+          <a:ln>
+            <a:noFill/>
+          </a:ln>
+        </p:spPr>
+        <p:style>
+          <a:lnRef idx="2">
+            <a:schemeClr val="accent1">
+              <a:shade val="50000"/>
+            </a:schemeClr>
+          </a:lnRef>
+          <a:fillRef idx="1">
+            <a:schemeClr val="accent1"/>
+          </a:fillRef>
+          <a:effectRef idx="0">
+            <a:schemeClr val="accent1"/>
+          </a:effectRef>
+          <a:fontRef idx="minor">
+            <a:schemeClr val="lt1"/>
+          </a:fontRef>
+        </p:style>
+        <p:txBody>
+          <a:bodyPr wrap="square" rtlCol="0" anchor="ctr">
+            <a:noAutofit/>
+          </a:bodyPr>
+          <a:lstStyle/>
+          <a:p>
+            <a:pPr marL="0" marR="0" lvl="0" indent="0" algn="ctr" defTabSz="914400" rtl="0" eaLnBrk="1" fontAlgn="auto" latinLnBrk="0" hangingPunct="1">
+              <a:lnSpc>
+                <a:spcPct val="100000"/>
+              </a:lnSpc>
+              <a:spcBef>
+                <a:spcPts val="0"/>
+              </a:spcBef>
+              <a:spcAft>
+                <a:spcPts val="0"/>
+              </a:spcAft>
+              <a:buClrTx/>
+              <a:buSzTx/>
+              <a:buFontTx/>
+              <a:buNone/>
+              <a:tabLst/>
+              <a:defRPr/>
+            </a:pPr>
+            <a:endParaRPr kumimoji="0" lang="en-US" sz="1800" b="0" i="0" u="none" strike="noStrike" kern="1200" cap="none" spc="0" normalizeH="0" baseline="0" noProof="0" dirty="0">
+              <a:ln>
+                <a:noFill/>
+              </a:ln>
+              <a:solidFill>
+                <a:prstClr val="white"/>
+              </a:solidFill>
+              <a:effectLst/>
+              <a:uLnTx/>
+              <a:uFillTx/>
+              <a:latin typeface="Calibri" panose="020F0502020204030204"/>
+              <a:ea typeface="+mn-ea"/>
+              <a:cs typeface="+mn-cs"/>
+            </a:endParaRPr>
+          </a:p>
+        </p:txBody>
+      </p:sp>
+      <p:sp>
+        <p:nvSpPr>
+          <p:cNvPr id="20" name="Isosceles Triangle 19">
+            <a:extLst>
+              <a:ext uri="{FF2B5EF4-FFF2-40B4-BE49-F238E27FC236}">
+                <a16:creationId xmlns:a16="http://schemas.microsoft.com/office/drawing/2014/main" id="{3512E083-F550-46AF-8490-767ECFD00CB7}"/>
+              </a:ext>
+              <a:ext uri="{C183D7F6-B498-43B3-948B-1728B52AA6E4}">
+                <adec:decorative xmlns:adec="http://schemas.microsoft.com/office/drawing/2017/decorative" val="1"/>
+              </a:ext>
+            </a:extLst>
+          </p:cNvPr>
+          <p:cNvSpPr>
+            <a:spLocks noGrp="1" noRot="1" noChangeAspect="1" noMove="1" noResize="1" noEditPoints="1" noAdjustHandles="1" noChangeArrowheads="1" noChangeShapeType="1" noTextEdit="1"/>
+          </p:cNvSpPr>
+          <p:nvPr>
+            <p:extLst>
+              <p:ext uri="{386F3935-93C4-4BCD-93E2-E3B085C9AB24}">
+                <p16:designElem xmlns:p16="http://schemas.microsoft.com/office/powerpoint/2015/main" val="1"/>
+              </p:ext>
+            </p:extLst>
+          </p:nvPr>
+        </p:nvSpPr>
+        <p:spPr>
+          <a:xfrm>
+            <a:off x="9167297" y="6453143"/>
+            <a:ext cx="814903" cy="404857"/>
+          </a:xfrm>
+          <a:prstGeom prst="triangle">
+            <a:avLst/>
+          </a:prstGeom>
+          <a:solidFill>
+            <a:schemeClr val="accent1">
+              <a:alpha val="30000"/>
+            </a:schemeClr>
+          </a:solidFill>
+          <a:ln>
+            <a:noFill/>
+          </a:ln>
+        </p:spPr>
+        <p:style>
+          <a:lnRef idx="2">
+            <a:schemeClr val="accent1">
+              <a:shade val="50000"/>
+            </a:schemeClr>
+          </a:lnRef>
+          <a:fillRef idx="1">
+            <a:schemeClr val="accent1"/>
+          </a:fillRef>
+          <a:effectRef idx="0">
+            <a:schemeClr val="accent1"/>
+          </a:effectRef>
+          <a:fontRef idx="minor">
+            <a:schemeClr val="lt1"/>
+          </a:fontRef>
+        </p:style>
+        <p:txBody>
+          <a:bodyPr wrap="square" rtlCol="0" anchor="ctr">
+            <a:noAutofit/>
+          </a:bodyPr>
+          <a:lstStyle/>
+          <a:p>
+            <a:pPr marL="0" marR="0" lvl="0" indent="0" algn="ctr" defTabSz="914400" rtl="0" eaLnBrk="1" fontAlgn="auto" latinLnBrk="0" hangingPunct="1">
+              <a:lnSpc>
+                <a:spcPct val="100000"/>
+              </a:lnSpc>
+              <a:spcBef>
+                <a:spcPts val="0"/>
+              </a:spcBef>
+              <a:spcAft>
+                <a:spcPts val="0"/>
+              </a:spcAft>
+              <a:buClrTx/>
+              <a:buSzTx/>
+              <a:buFontTx/>
+              <a:buNone/>
+              <a:tabLst/>
+              <a:defRPr/>
+            </a:pPr>
+            <a:endParaRPr kumimoji="0" lang="en-US" sz="1800" b="0" i="0" u="none" strike="noStrike" kern="1200" cap="none" spc="0" normalizeH="0" baseline="0" noProof="0" dirty="0">
+              <a:ln>
+                <a:noFill/>
+              </a:ln>
+              <a:solidFill>
+                <a:prstClr val="white"/>
+              </a:solidFill>
+              <a:effectLst/>
+              <a:uLnTx/>
+              <a:uFillTx/>
+              <a:latin typeface="Calibri" panose="020F0502020204030204"/>
+              <a:ea typeface="+mn-ea"/>
+              <a:cs typeface="+mn-cs"/>
+            </a:endParaRPr>
+          </a:p>
+        </p:txBody>
+      </p:sp>
+      <p:pic>
+        <p:nvPicPr>
+          <p:cNvPr id="3" name="Inhaltsplatzhalter 2" descr="Überwachungskamera Silhouette">
+            <a:extLst>
+              <a:ext uri="{FF2B5EF4-FFF2-40B4-BE49-F238E27FC236}">
+                <a16:creationId xmlns:a16="http://schemas.microsoft.com/office/drawing/2014/main" id="{DC833A4D-D760-BB91-3147-2159FAFC9D6C}"/>
+              </a:ext>
+            </a:extLst>
+          </p:cNvPr>
+          <p:cNvPicPr>
+            <a:picLocks noGrp="1" noChangeAspect="1"/>
+          </p:cNvPicPr>
+          <p:nvPr>
+            <p:ph idx="1"/>
+          </p:nvPr>
+        </p:nvPicPr>
+        <p:blipFill>
+          <a:blip r:embed="rId3">
+            <a:extLst>
+              <a:ext uri="{28A0092B-C50C-407E-A947-70E740481C1C}">
+                <a14:useLocalDpi xmlns:a14="http://schemas.microsoft.com/office/drawing/2010/main" val="0"/>
+              </a:ext>
+              <a:ext uri="{96DAC541-7B7A-43D3-8B79-37D633B846F1}">
+                <asvg:svgBlip xmlns:asvg="http://schemas.microsoft.com/office/drawing/2016/SVG/main" r:embed="rId4"/>
+              </a:ext>
+            </a:extLst>
+          </a:blip>
+          <a:stretch>
+            <a:fillRect/>
+          </a:stretch>
+        </p:blipFill>
+        <p:spPr>
+          <a:xfrm>
+            <a:off x="4970684" y="3359944"/>
+            <a:ext cx="914400" cy="914400"/>
+          </a:xfrm>
+        </p:spPr>
+      </p:pic>
+      <p:sp>
+        <p:nvSpPr>
+          <p:cNvPr id="15" name="Titel 1">
+            <a:extLst>
+              <a:ext uri="{FF2B5EF4-FFF2-40B4-BE49-F238E27FC236}">
+                <a16:creationId xmlns:a16="http://schemas.microsoft.com/office/drawing/2014/main" id="{FF89AD9F-E6B1-4182-8E88-8C7600983687}"/>
+              </a:ext>
+            </a:extLst>
+          </p:cNvPr>
+          <p:cNvSpPr>
+            <a:spLocks noGrp="1"/>
+          </p:cNvSpPr>
+          <p:nvPr>
+            <p:ph type="title"/>
+          </p:nvPr>
+        </p:nvSpPr>
+        <p:spPr>
+          <a:xfrm>
+            <a:off x="838200" y="365125"/>
+            <a:ext cx="10515600" cy="1325563"/>
+          </a:xfrm>
+        </p:spPr>
+        <p:txBody>
+          <a:bodyPr/>
+          <a:lstStyle/>
+          <a:p>
+            <a:pPr algn="ctr"/>
+            <a:r>
+              <a:rPr lang="de-CH" dirty="0"/>
+              <a:t>LOG/Protokoll</a:t>
+            </a:r>
+          </a:p>
+        </p:txBody>
+      </p:sp>
+      <p:pic>
+        <p:nvPicPr>
+          <p:cNvPr id="5" name="Grafik 4" descr="Schild mit einfarbiger Füllung">
+            <a:extLst>
+              <a:ext uri="{FF2B5EF4-FFF2-40B4-BE49-F238E27FC236}">
+                <a16:creationId xmlns:a16="http://schemas.microsoft.com/office/drawing/2014/main" id="{C48FDA59-1D26-A526-4564-7CB51F0DA1E6}"/>
+              </a:ext>
+            </a:extLst>
+          </p:cNvPr>
+          <p:cNvPicPr>
+            <a:picLocks noChangeAspect="1"/>
+          </p:cNvPicPr>
+          <p:nvPr/>
+        </p:nvPicPr>
+        <p:blipFill>
+          <a:blip r:embed="rId5">
+            <a:extLst>
+              <a:ext uri="{28A0092B-C50C-407E-A947-70E740481C1C}">
+                <a14:useLocalDpi xmlns:a14="http://schemas.microsoft.com/office/drawing/2010/main" val="0"/>
+              </a:ext>
+              <a:ext uri="{96DAC541-7B7A-43D3-8B79-37D633B846F1}">
+                <asvg:svgBlip xmlns:asvg="http://schemas.microsoft.com/office/drawing/2016/SVG/main" r:embed="rId6"/>
+              </a:ext>
+            </a:extLst>
+          </a:blip>
+          <a:stretch>
+            <a:fillRect/>
+          </a:stretch>
+        </p:blipFill>
+        <p:spPr>
+          <a:xfrm>
+            <a:off x="7221317" y="3422808"/>
+            <a:ext cx="914400" cy="914400"/>
+          </a:xfrm>
+          <a:prstGeom prst="rect">
+            <a:avLst/>
+          </a:prstGeom>
+        </p:spPr>
+      </p:pic>
+      <p:pic>
+        <p:nvPicPr>
+          <p:cNvPr id="19" name="Grafik 18" descr="Adressbuch mit einfarbiger Füllung">
+            <a:extLst>
+              <a:ext uri="{FF2B5EF4-FFF2-40B4-BE49-F238E27FC236}">
+                <a16:creationId xmlns:a16="http://schemas.microsoft.com/office/drawing/2014/main" id="{C2544AA9-0AC0-0CB0-92DD-C346352DDAC4}"/>
+              </a:ext>
+            </a:extLst>
+          </p:cNvPr>
+          <p:cNvPicPr>
+            <a:picLocks noChangeAspect="1"/>
+          </p:cNvPicPr>
+          <p:nvPr/>
+        </p:nvPicPr>
+        <p:blipFill>
+          <a:blip r:embed="rId7">
+            <a:extLst>
+              <a:ext uri="{28A0092B-C50C-407E-A947-70E740481C1C}">
+                <a14:useLocalDpi xmlns:a14="http://schemas.microsoft.com/office/drawing/2010/main" val="0"/>
+              </a:ext>
+              <a:ext uri="{96DAC541-7B7A-43D3-8B79-37D633B846F1}">
+                <asvg:svgBlip xmlns:asvg="http://schemas.microsoft.com/office/drawing/2016/SVG/main" r:embed="rId8"/>
+              </a:ext>
+            </a:extLst>
+          </a:blip>
+          <a:stretch>
+            <a:fillRect/>
+          </a:stretch>
+        </p:blipFill>
+        <p:spPr>
+          <a:xfrm>
+            <a:off x="1100908" y="3363694"/>
+            <a:ext cx="914400" cy="914400"/>
+          </a:xfrm>
+          <a:prstGeom prst="rect">
+            <a:avLst/>
+          </a:prstGeom>
+        </p:spPr>
+      </p:pic>
+      <p:pic>
+        <p:nvPicPr>
+          <p:cNvPr id="22" name="Grafik 21" descr="Engelsgesicht mit einfarbiger Füllung mit einfarbiger Füllung">
+            <a:extLst>
+              <a:ext uri="{FF2B5EF4-FFF2-40B4-BE49-F238E27FC236}">
+                <a16:creationId xmlns:a16="http://schemas.microsoft.com/office/drawing/2014/main" id="{A282441A-EFC1-E90D-F6DF-C5B422D49B60}"/>
+              </a:ext>
+            </a:extLst>
+          </p:cNvPr>
+          <p:cNvPicPr>
+            <a:picLocks noChangeAspect="1"/>
+          </p:cNvPicPr>
+          <p:nvPr/>
+        </p:nvPicPr>
+        <p:blipFill>
+          <a:blip r:embed="rId9">
+            <a:extLst>
+              <a:ext uri="{28A0092B-C50C-407E-A947-70E740481C1C}">
+                <a14:useLocalDpi xmlns:a14="http://schemas.microsoft.com/office/drawing/2010/main" val="0"/>
+              </a:ext>
+              <a:ext uri="{96DAC541-7B7A-43D3-8B79-37D633B846F1}">
+                <asvg:svgBlip xmlns:asvg="http://schemas.microsoft.com/office/drawing/2016/SVG/main" r:embed="rId10"/>
+              </a:ext>
+            </a:extLst>
+          </a:blip>
+          <a:stretch>
+            <a:fillRect/>
+          </a:stretch>
+        </p:blipFill>
+        <p:spPr>
+          <a:xfrm>
+            <a:off x="9245919" y="3445894"/>
+            <a:ext cx="914400" cy="914400"/>
+          </a:xfrm>
+          <a:prstGeom prst="rect">
+            <a:avLst/>
+          </a:prstGeom>
+        </p:spPr>
+      </p:pic>
+      <p:pic>
+        <p:nvPicPr>
+          <p:cNvPr id="24" name="Grafik 23" descr="Verärgertes Gesicht mit einfarbiger Füllung mit einfarbiger Füllung">
+            <a:extLst>
+              <a:ext uri="{FF2B5EF4-FFF2-40B4-BE49-F238E27FC236}">
+                <a16:creationId xmlns:a16="http://schemas.microsoft.com/office/drawing/2014/main" id="{D5EBBC55-BC8E-BBDC-E2F7-8C32383B8DCC}"/>
+              </a:ext>
+            </a:extLst>
+          </p:cNvPr>
+          <p:cNvPicPr>
+            <a:picLocks noChangeAspect="1"/>
+          </p:cNvPicPr>
+          <p:nvPr/>
+        </p:nvPicPr>
+        <p:blipFill>
+          <a:blip r:embed="rId11">
+            <a:extLst>
+              <a:ext uri="{28A0092B-C50C-407E-A947-70E740481C1C}">
+                <a14:useLocalDpi xmlns:a14="http://schemas.microsoft.com/office/drawing/2010/main" val="0"/>
+              </a:ext>
+              <a:ext uri="{96DAC541-7B7A-43D3-8B79-37D633B846F1}">
+                <asvg:svgBlip xmlns:asvg="http://schemas.microsoft.com/office/drawing/2016/SVG/main" r:embed="rId12"/>
+              </a:ext>
+            </a:extLst>
+          </a:blip>
+          <a:stretch>
+            <a:fillRect/>
+          </a:stretch>
+        </p:blipFill>
+        <p:spPr>
+          <a:xfrm>
+            <a:off x="2974169" y="3422808"/>
+            <a:ext cx="914400" cy="914400"/>
+          </a:xfrm>
+          <a:prstGeom prst="rect">
+            <a:avLst/>
+          </a:prstGeom>
+        </p:spPr>
+      </p:pic>
+    </p:spTree>
+    <p:extLst>
+      <p:ext uri="{BB962C8B-B14F-4D97-AF65-F5344CB8AC3E}">
+        <p14:creationId xmlns:p14="http://schemas.microsoft.com/office/powerpoint/2010/main" val="3061117694"/>
+      </p:ext>
+    </p:extLst>
+  </p:cSld>
+  <p:clrMapOvr>
+    <a:masterClrMapping/>
+  </p:clrMapOvr>
+</p:sld>
+</file>
+
+<file path=ppt/slides/slide8.xml><?xml version="1.0" encoding="utf-8"?>
+<p:sld xmlns:a="http://schemas.openxmlformats.org/drawingml/2006/main" xmlns:r="http://schemas.openxmlformats.org/officeDocument/2006/relationships" xmlns:p="http://schemas.openxmlformats.org/presentationml/2006/main">
+  <p:cSld>
+    <p:spTree>
+      <p:nvGrpSpPr>
+        <p:cNvPr id="1" name=""/>
+        <p:cNvGrpSpPr/>
+        <p:nvPr/>
+      </p:nvGrpSpPr>
+      <p:grpSpPr>
+        <a:xfrm>
+          <a:off x="0" y="0"/>
+          <a:ext cx="0" cy="0"/>
+          <a:chOff x="0" y="0"/>
+          <a:chExt cx="0" cy="0"/>
+        </a:xfrm>
+      </p:grpSpPr>
+      <p:sp>
+        <p:nvSpPr>
+          <p:cNvPr id="8" name="Rectangle 7">
+            <a:extLst>
+              <a:ext uri="{FF2B5EF4-FFF2-40B4-BE49-F238E27FC236}">
+                <a16:creationId xmlns:a16="http://schemas.microsoft.com/office/drawing/2014/main" id="{46D6306C-ED4F-4AAE-B4A5-EEA6AFAD726E}"/>
+              </a:ext>
+              <a:ext uri="{C183D7F6-B498-43B3-948B-1728B52AA6E4}">
+                <adec:decorative xmlns:adec="http://schemas.microsoft.com/office/drawing/2017/decorative" val="1"/>
+              </a:ext>
+            </a:extLst>
+          </p:cNvPr>
+          <p:cNvSpPr>
+            <a:spLocks noGrp="1" noRot="1" noChangeAspect="1" noMove="1" noResize="1" noEditPoints="1" noAdjustHandles="1" noChangeArrowheads="1" noChangeShapeType="1" noTextEdit="1"/>
+          </p:cNvSpPr>
+          <p:nvPr>
+            <p:extLst>
+              <p:ext uri="{386F3935-93C4-4BCD-93E2-E3B085C9AB24}">
+                <p16:designElem xmlns:p16="http://schemas.microsoft.com/office/powerpoint/2015/main" val="1"/>
+              </p:ext>
+            </p:extLst>
+          </p:nvPr>
+        </p:nvSpPr>
+        <p:spPr>
+          <a:xfrm>
+            <a:off x="0" y="0"/>
+            <a:ext cx="12192000" cy="6858000"/>
+          </a:xfrm>
+          <a:prstGeom prst="rect">
+            <a:avLst/>
+          </a:prstGeom>
+          <a:solidFill>
+            <a:schemeClr val="bg1"/>
+          </a:solidFill>
+          <a:ln>
+            <a:noFill/>
+          </a:ln>
+        </p:spPr>
+        <p:style>
+          <a:lnRef idx="2">
+            <a:schemeClr val="accent1">
+              <a:shade val="50000"/>
+            </a:schemeClr>
+          </a:lnRef>
+          <a:fillRef idx="1">
+            <a:schemeClr val="accent1"/>
+          </a:fillRef>
+          <a:effectRef idx="0">
+            <a:schemeClr val="accent1"/>
+          </a:effectRef>
+          <a:fontRef idx="minor">
+            <a:schemeClr val="lt1"/>
+          </a:fontRef>
+        </p:style>
+        <p:txBody>
+          <a:bodyPr rtlCol="0" anchor="ctr"/>
+          <a:lstStyle/>
+          <a:p>
+            <a:pPr marL="0" marR="0" lvl="0" indent="0" algn="ctr" defTabSz="914400" rtl="0" eaLnBrk="1" fontAlgn="auto" latinLnBrk="0" hangingPunct="1">
+              <a:lnSpc>
+                <a:spcPct val="100000"/>
+              </a:lnSpc>
+              <a:spcBef>
+                <a:spcPts val="0"/>
+              </a:spcBef>
+              <a:spcAft>
+                <a:spcPts val="0"/>
+              </a:spcAft>
+              <a:buClrTx/>
+              <a:buSzTx/>
+              <a:buFontTx/>
+              <a:buNone/>
+              <a:tabLst/>
+              <a:defRPr/>
+            </a:pPr>
+            <a:endParaRPr kumimoji="0" lang="en-US" sz="1800" b="0" i="0" u="none" strike="noStrike" kern="1200" cap="none" spc="0" normalizeH="0" baseline="0" noProof="0" dirty="0">
+              <a:ln>
+                <a:noFill/>
+              </a:ln>
+              <a:solidFill>
+                <a:prstClr val="white"/>
+              </a:solidFill>
+              <a:effectLst/>
+              <a:uLnTx/>
+              <a:uFillTx/>
+              <a:latin typeface="Calibri" panose="020F0502020204030204"/>
+              <a:ea typeface="+mn-ea"/>
+              <a:cs typeface="+mn-cs"/>
+            </a:endParaRPr>
+          </a:p>
+        </p:txBody>
+      </p:sp>
+      <p:sp>
+        <p:nvSpPr>
+          <p:cNvPr id="10" name="Rectangle 9">
+            <a:extLst>
+              <a:ext uri="{FF2B5EF4-FFF2-40B4-BE49-F238E27FC236}">
+                <a16:creationId xmlns:a16="http://schemas.microsoft.com/office/drawing/2014/main" id="{0EC5361D-F897-4856-B945-0455A365EB24}"/>
+              </a:ext>
+              <a:ext uri="{C183D7F6-B498-43B3-948B-1728B52AA6E4}">
+                <adec:decorative xmlns:adec="http://schemas.microsoft.com/office/drawing/2017/decorative" val="1"/>
+              </a:ext>
+            </a:extLst>
+          </p:cNvPr>
+          <p:cNvSpPr>
+            <a:spLocks noGrp="1" noRot="1" noChangeAspect="1" noMove="1" noResize="1" noEditPoints="1" noAdjustHandles="1" noChangeArrowheads="1" noChangeShapeType="1" noTextEdit="1"/>
+          </p:cNvSpPr>
+          <p:nvPr>
+            <p:extLst>
+              <p:ext uri="{386F3935-93C4-4BCD-93E2-E3B085C9AB24}">
+                <p16:designElem xmlns:p16="http://schemas.microsoft.com/office/powerpoint/2015/main" val="1"/>
+              </p:ext>
+            </p:extLst>
+          </p:nvPr>
+        </p:nvSpPr>
+        <p:spPr>
+          <a:xfrm rot="2700000">
+            <a:off x="415435" y="655140"/>
+            <a:ext cx="687472" cy="687472"/>
+          </a:xfrm>
+          <a:prstGeom prst="rect">
+            <a:avLst/>
+          </a:prstGeom>
+          <a:solidFill>
+            <a:schemeClr val="accent4">
+              <a:alpha val="30000"/>
+            </a:schemeClr>
+          </a:solidFill>
+          <a:ln>
+            <a:noFill/>
+          </a:ln>
+        </p:spPr>
+        <p:style>
+          <a:lnRef idx="2">
+            <a:schemeClr val="accent1">
+              <a:shade val="50000"/>
+            </a:schemeClr>
+          </a:lnRef>
+          <a:fillRef idx="1">
+            <a:schemeClr val="accent1"/>
+          </a:fillRef>
+          <a:effectRef idx="0">
+            <a:schemeClr val="accent1"/>
+          </a:effectRef>
+          <a:fontRef idx="minor">
+            <a:schemeClr val="lt1"/>
+          </a:fontRef>
+        </p:style>
+        <p:txBody>
+          <a:bodyPr rtlCol="0" anchor="ctr"/>
+          <a:lstStyle/>
+          <a:p>
+            <a:pPr marL="0" marR="0" lvl="0" indent="0" algn="ctr" defTabSz="914400" rtl="0" eaLnBrk="1" fontAlgn="auto" latinLnBrk="0" hangingPunct="1">
+              <a:lnSpc>
+                <a:spcPct val="100000"/>
+              </a:lnSpc>
+              <a:spcBef>
+                <a:spcPts val="0"/>
+              </a:spcBef>
+              <a:spcAft>
+                <a:spcPts val="0"/>
+              </a:spcAft>
+              <a:buClrTx/>
+              <a:buSzTx/>
+              <a:buFontTx/>
+              <a:buNone/>
+              <a:tabLst/>
+              <a:defRPr/>
+            </a:pPr>
+            <a:endParaRPr kumimoji="0" lang="en-US" sz="1800" b="0" i="0" u="none" strike="noStrike" kern="1200" cap="none" spc="0" normalizeH="0" baseline="0" noProof="0" dirty="0">
+              <a:ln>
+                <a:noFill/>
+              </a:ln>
+              <a:solidFill>
+                <a:prstClr val="white"/>
+              </a:solidFill>
+              <a:effectLst/>
+              <a:uLnTx/>
+              <a:uFillTx/>
+              <a:latin typeface="Calibri" panose="020F0502020204030204"/>
+              <a:ea typeface="+mn-ea"/>
+              <a:cs typeface="+mn-cs"/>
+            </a:endParaRPr>
+          </a:p>
+        </p:txBody>
+      </p:sp>
+      <p:sp>
+        <p:nvSpPr>
+          <p:cNvPr id="12" name="Freeform: Shape 11">
+            <a:extLst>
+              <a:ext uri="{FF2B5EF4-FFF2-40B4-BE49-F238E27FC236}">
+                <a16:creationId xmlns:a16="http://schemas.microsoft.com/office/drawing/2014/main" id="{4508C0C5-2268-42B5-B3C8-4D0899E05F8C}"/>
+              </a:ext>
+              <a:ext uri="{C183D7F6-B498-43B3-948B-1728B52AA6E4}">
+                <adec:decorative xmlns:adec="http://schemas.microsoft.com/office/drawing/2017/decorative" val="1"/>
+              </a:ext>
+            </a:extLst>
+          </p:cNvPr>
+          <p:cNvSpPr>
+            <a:spLocks noGrp="1" noRot="1" noChangeAspect="1" noMove="1" noResize="1" noEditPoints="1" noAdjustHandles="1" noChangeArrowheads="1" noChangeShapeType="1" noTextEdit="1"/>
+          </p:cNvSpPr>
+          <p:nvPr>
+            <p:extLst>
+              <p:ext uri="{386F3935-93C4-4BCD-93E2-E3B085C9AB24}">
+                <p16:designElem xmlns:p16="http://schemas.microsoft.com/office/powerpoint/2015/main" val="1"/>
+              </p:ext>
+            </p:extLst>
+          </p:nvPr>
+        </p:nvSpPr>
+        <p:spPr>
+          <a:xfrm rot="10800000">
+            <a:off x="0" y="0"/>
+            <a:ext cx="2835357" cy="1480837"/>
+          </a:xfrm>
+          <a:custGeom>
+            <a:avLst/>
+            <a:gdLst>
+              <a:gd name="connsiteX0" fmla="*/ 2835357 w 2835357"/>
+              <a:gd name="connsiteY0" fmla="*/ 1480837 h 1480837"/>
+              <a:gd name="connsiteX1" fmla="*/ 0 w 2835357"/>
+              <a:gd name="connsiteY1" fmla="*/ 1480837 h 1480837"/>
+              <a:gd name="connsiteX2" fmla="*/ 1552727 w 2835357"/>
+              <a:gd name="connsiteY2" fmla="*/ 0 h 1480837"/>
+              <a:gd name="connsiteX3" fmla="*/ 2835357 w 2835357"/>
+              <a:gd name="connsiteY3" fmla="*/ 1223245 h 1480837"/>
+            </a:gdLst>
+            <a:ahLst/>
+            <a:cxnLst>
+              <a:cxn ang="0">
+                <a:pos x="connsiteX0" y="connsiteY0"/>
+              </a:cxn>
+              <a:cxn ang="0">
+                <a:pos x="connsiteX1" y="connsiteY1"/>
+              </a:cxn>
+              <a:cxn ang="0">
+                <a:pos x="connsiteX2" y="connsiteY2"/>
+              </a:cxn>
+              <a:cxn ang="0">
+                <a:pos x="connsiteX3" y="connsiteY3"/>
+              </a:cxn>
+            </a:cxnLst>
+            <a:rect l="l" t="t" r="r" b="b"/>
+            <a:pathLst>
+              <a:path w="2835357" h="1480837">
+                <a:moveTo>
+                  <a:pt x="2835357" y="1480837"/>
+                </a:moveTo>
+                <a:lnTo>
+                  <a:pt x="0" y="1480837"/>
+                </a:lnTo>
+                <a:lnTo>
+                  <a:pt x="1552727" y="0"/>
+                </a:lnTo>
+                <a:lnTo>
+                  <a:pt x="2835357" y="1223245"/>
+                </a:lnTo>
+                <a:close/>
+              </a:path>
+            </a:pathLst>
+          </a:custGeom>
+          <a:solidFill>
+            <a:schemeClr val="accent4">
+              <a:alpha val="30000"/>
+            </a:schemeClr>
+          </a:solidFill>
+          <a:ln>
+            <a:noFill/>
+          </a:ln>
+        </p:spPr>
+        <p:style>
+          <a:lnRef idx="2">
+            <a:schemeClr val="accent1">
+              <a:shade val="50000"/>
+            </a:schemeClr>
+          </a:lnRef>
+          <a:fillRef idx="1">
+            <a:schemeClr val="accent1"/>
+          </a:fillRef>
+          <a:effectRef idx="0">
+            <a:schemeClr val="accent1"/>
+          </a:effectRef>
+          <a:fontRef idx="minor">
+            <a:schemeClr val="lt1"/>
+          </a:fontRef>
+        </p:style>
+        <p:txBody>
+          <a:bodyPr wrap="square" rtlCol="0" anchor="ctr">
+            <a:noAutofit/>
+          </a:bodyPr>
+          <a:lstStyle/>
+          <a:p>
+            <a:pPr marL="0" marR="0" lvl="0" indent="0" algn="ctr" defTabSz="914400" rtl="0" eaLnBrk="1" fontAlgn="auto" latinLnBrk="0" hangingPunct="1">
+              <a:lnSpc>
+                <a:spcPct val="100000"/>
+              </a:lnSpc>
+              <a:spcBef>
+                <a:spcPts val="0"/>
+              </a:spcBef>
+              <a:spcAft>
+                <a:spcPts val="0"/>
+              </a:spcAft>
+              <a:buClrTx/>
+              <a:buSzTx/>
+              <a:buFontTx/>
+              <a:buNone/>
+              <a:tabLst/>
+              <a:defRPr/>
+            </a:pPr>
+            <a:endParaRPr kumimoji="0" lang="en-US" sz="1800" b="0" i="0" u="none" strike="noStrike" kern="1200" cap="none" spc="0" normalizeH="0" baseline="0" noProof="0" dirty="0">
+              <a:ln>
+                <a:noFill/>
+              </a:ln>
+              <a:solidFill>
+                <a:prstClr val="white"/>
+              </a:solidFill>
+              <a:effectLst/>
+              <a:uLnTx/>
+              <a:uFillTx/>
+              <a:latin typeface="Calibri" panose="020F0502020204030204"/>
+              <a:ea typeface="+mn-ea"/>
+              <a:cs typeface="+mn-cs"/>
+            </a:endParaRPr>
+          </a:p>
+        </p:txBody>
+      </p:sp>
+      <p:sp>
+        <p:nvSpPr>
+          <p:cNvPr id="14" name="Freeform: Shape 13">
+            <a:extLst>
+              <a:ext uri="{FF2B5EF4-FFF2-40B4-BE49-F238E27FC236}">
+                <a16:creationId xmlns:a16="http://schemas.microsoft.com/office/drawing/2014/main" id="{141ACBDB-38F8-4B34-8183-BD95B4E55A62}"/>
+              </a:ext>
+              <a:ext uri="{C183D7F6-B498-43B3-948B-1728B52AA6E4}">
+                <adec:decorative xmlns:adec="http://schemas.microsoft.com/office/drawing/2017/decorative" val="1"/>
+              </a:ext>
+            </a:extLst>
+          </p:cNvPr>
+          <p:cNvSpPr>
+            <a:spLocks noGrp="1" noRot="1" noChangeAspect="1" noMove="1" noResize="1" noEditPoints="1" noAdjustHandles="1" noChangeArrowheads="1" noChangeShapeType="1" noTextEdit="1"/>
+          </p:cNvSpPr>
+          <p:nvPr>
+            <p:extLst>
+              <p:ext uri="{386F3935-93C4-4BCD-93E2-E3B085C9AB24}">
+                <p16:designElem xmlns:p16="http://schemas.microsoft.com/office/powerpoint/2015/main" val="1"/>
+              </p:ext>
+            </p:extLst>
+          </p:nvPr>
+        </p:nvSpPr>
+        <p:spPr>
+          <a:xfrm rot="2700000">
+            <a:off x="10739327" y="-253670"/>
+            <a:ext cx="1827638" cy="1376989"/>
+          </a:xfrm>
+          <a:custGeom>
+            <a:avLst/>
+            <a:gdLst>
+              <a:gd name="connsiteX0" fmla="*/ 0 w 1827638"/>
+              <a:gd name="connsiteY0" fmla="*/ 987379 h 1376989"/>
+              <a:gd name="connsiteX1" fmla="*/ 987379 w 1827638"/>
+              <a:gd name="connsiteY1" fmla="*/ 0 h 1376989"/>
+              <a:gd name="connsiteX2" fmla="*/ 1827638 w 1827638"/>
+              <a:gd name="connsiteY2" fmla="*/ 840260 h 1376989"/>
+              <a:gd name="connsiteX3" fmla="*/ 1827638 w 1827638"/>
+              <a:gd name="connsiteY3" fmla="*/ 1376989 h 1376989"/>
+              <a:gd name="connsiteX4" fmla="*/ 0 w 1827638"/>
+              <a:gd name="connsiteY4" fmla="*/ 1376989 h 1376989"/>
+            </a:gdLst>
+            <a:ahLst/>
+            <a:cxnLst>
+              <a:cxn ang="0">
+                <a:pos x="connsiteX0" y="connsiteY0"/>
+              </a:cxn>
+              <a:cxn ang="0">
+                <a:pos x="connsiteX1" y="connsiteY1"/>
+              </a:cxn>
+              <a:cxn ang="0">
+                <a:pos x="connsiteX2" y="connsiteY2"/>
+              </a:cxn>
+              <a:cxn ang="0">
+                <a:pos x="connsiteX3" y="connsiteY3"/>
+              </a:cxn>
+              <a:cxn ang="0">
+                <a:pos x="connsiteX4" y="connsiteY4"/>
+              </a:cxn>
+            </a:cxnLst>
+            <a:rect l="l" t="t" r="r" b="b"/>
+            <a:pathLst>
+              <a:path w="1827638" h="1376989">
+                <a:moveTo>
+                  <a:pt x="0" y="987379"/>
+                </a:moveTo>
+                <a:lnTo>
+                  <a:pt x="987379" y="0"/>
+                </a:lnTo>
+                <a:lnTo>
+                  <a:pt x="1827638" y="840260"/>
+                </a:lnTo>
+                <a:lnTo>
+                  <a:pt x="1827638" y="1376989"/>
+                </a:lnTo>
+                <a:lnTo>
+                  <a:pt x="0" y="1376989"/>
+                </a:lnTo>
+                <a:close/>
+              </a:path>
+            </a:pathLst>
+          </a:custGeom>
+          <a:solidFill>
+            <a:schemeClr val="accent1">
+              <a:alpha val="30000"/>
+            </a:schemeClr>
+          </a:solidFill>
+          <a:ln>
+            <a:noFill/>
+          </a:ln>
+        </p:spPr>
+        <p:style>
+          <a:lnRef idx="2">
+            <a:schemeClr val="accent1">
+              <a:shade val="50000"/>
+            </a:schemeClr>
+          </a:lnRef>
+          <a:fillRef idx="1">
+            <a:schemeClr val="accent1"/>
+          </a:fillRef>
+          <a:effectRef idx="0">
+            <a:schemeClr val="accent1"/>
+          </a:effectRef>
+          <a:fontRef idx="minor">
+            <a:schemeClr val="lt1"/>
+          </a:fontRef>
+        </p:style>
+        <p:txBody>
+          <a:bodyPr wrap="square" rtlCol="0" anchor="ctr">
+            <a:noAutofit/>
+          </a:bodyPr>
+          <a:lstStyle/>
+          <a:p>
+            <a:pPr marL="0" marR="0" lvl="0" indent="0" algn="ctr" defTabSz="914400" rtl="0" eaLnBrk="1" fontAlgn="auto" latinLnBrk="0" hangingPunct="1">
+              <a:lnSpc>
+                <a:spcPct val="100000"/>
+              </a:lnSpc>
+              <a:spcBef>
+                <a:spcPts val="0"/>
+              </a:spcBef>
+              <a:spcAft>
+                <a:spcPts val="0"/>
+              </a:spcAft>
+              <a:buClrTx/>
+              <a:buSzTx/>
+              <a:buFontTx/>
+              <a:buNone/>
+              <a:tabLst/>
+              <a:defRPr/>
+            </a:pPr>
+            <a:endParaRPr kumimoji="0" lang="en-US" sz="1800" b="0" i="0" u="none" strike="noStrike" kern="1200" cap="none" spc="0" normalizeH="0" baseline="0" noProof="0" dirty="0">
+              <a:ln>
+                <a:noFill/>
+              </a:ln>
+              <a:solidFill>
+                <a:prstClr val="white"/>
+              </a:solidFill>
+              <a:effectLst/>
+              <a:uLnTx/>
+              <a:uFillTx/>
+              <a:latin typeface="Calibri" panose="020F0502020204030204"/>
+              <a:ea typeface="+mn-ea"/>
+              <a:cs typeface="+mn-cs"/>
+            </a:endParaRPr>
+          </a:p>
+        </p:txBody>
+      </p:sp>
+      <p:sp>
+        <p:nvSpPr>
+          <p:cNvPr id="16" name="Rectangle 15">
+            <a:extLst>
+              <a:ext uri="{FF2B5EF4-FFF2-40B4-BE49-F238E27FC236}">
+                <a16:creationId xmlns:a16="http://schemas.microsoft.com/office/drawing/2014/main" id="{DE00DB52-3455-4E2F-867B-A6D0516E175B}"/>
+              </a:ext>
+              <a:ext uri="{C183D7F6-B498-43B3-948B-1728B52AA6E4}">
+                <adec:decorative xmlns:adec="http://schemas.microsoft.com/office/drawing/2017/decorative" val="1"/>
+              </a:ext>
+            </a:extLst>
+          </p:cNvPr>
+          <p:cNvSpPr>
+            <a:spLocks noGrp="1" noRot="1" noChangeAspect="1" noMove="1" noResize="1" noEditPoints="1" noAdjustHandles="1" noChangeArrowheads="1" noChangeShapeType="1" noTextEdit="1"/>
+          </p:cNvSpPr>
+          <p:nvPr>
+            <p:extLst>
+              <p:ext uri="{386F3935-93C4-4BCD-93E2-E3B085C9AB24}">
+                <p16:designElem xmlns:p16="http://schemas.microsoft.com/office/powerpoint/2015/main" val="1"/>
+              </p:ext>
+            </p:extLst>
+          </p:nvPr>
+        </p:nvSpPr>
+        <p:spPr>
+          <a:xfrm rot="2700000">
+            <a:off x="10653800" y="422146"/>
+            <a:ext cx="645368" cy="645368"/>
+          </a:xfrm>
+          <a:prstGeom prst="rect">
+            <a:avLst/>
+          </a:prstGeom>
+          <a:solidFill>
+            <a:schemeClr val="accent1">
+              <a:alpha val="30000"/>
+            </a:schemeClr>
+          </a:solidFill>
+          <a:ln>
+            <a:noFill/>
+          </a:ln>
+        </p:spPr>
+        <p:style>
+          <a:lnRef idx="2">
+            <a:schemeClr val="accent1">
+              <a:shade val="50000"/>
+            </a:schemeClr>
+          </a:lnRef>
+          <a:fillRef idx="1">
+            <a:schemeClr val="accent1"/>
+          </a:fillRef>
+          <a:effectRef idx="0">
+            <a:schemeClr val="accent1"/>
+          </a:effectRef>
+          <a:fontRef idx="minor">
+            <a:schemeClr val="lt1"/>
+          </a:fontRef>
+        </p:style>
+        <p:txBody>
+          <a:bodyPr wrap="square" rtlCol="0" anchor="ctr">
+            <a:noAutofit/>
+          </a:bodyPr>
+          <a:lstStyle/>
+          <a:p>
+            <a:pPr marL="0" marR="0" lvl="0" indent="0" algn="ctr" defTabSz="914400" rtl="0" eaLnBrk="1" fontAlgn="auto" latinLnBrk="0" hangingPunct="1">
+              <a:lnSpc>
+                <a:spcPct val="100000"/>
+              </a:lnSpc>
+              <a:spcBef>
+                <a:spcPts val="0"/>
+              </a:spcBef>
+              <a:spcAft>
+                <a:spcPts val="0"/>
+              </a:spcAft>
+              <a:buClrTx/>
+              <a:buSzTx/>
+              <a:buFontTx/>
+              <a:buNone/>
+              <a:tabLst/>
+              <a:defRPr/>
+            </a:pPr>
+            <a:endParaRPr kumimoji="0" lang="en-US" sz="1800" b="0" i="0" u="none" strike="noStrike" kern="1200" cap="none" spc="0" normalizeH="0" baseline="0" noProof="0" dirty="0">
+              <a:ln>
+                <a:noFill/>
+              </a:ln>
+              <a:solidFill>
+                <a:prstClr val="white"/>
+              </a:solidFill>
+              <a:effectLst/>
+              <a:uLnTx/>
+              <a:uFillTx/>
+              <a:latin typeface="Calibri" panose="020F0502020204030204"/>
+              <a:ea typeface="+mn-ea"/>
+              <a:cs typeface="+mn-cs"/>
+            </a:endParaRPr>
+          </a:p>
+        </p:txBody>
+      </p:sp>
+      <p:sp>
+        <p:nvSpPr>
+          <p:cNvPr id="18" name="Isosceles Triangle 17">
+            <a:extLst>
+              <a:ext uri="{FF2B5EF4-FFF2-40B4-BE49-F238E27FC236}">
+                <a16:creationId xmlns:a16="http://schemas.microsoft.com/office/drawing/2014/main" id="{9E914C83-E0D8-4953-92D5-169D28CB43AE}"/>
+              </a:ext>
+              <a:ext uri="{C183D7F6-B498-43B3-948B-1728B52AA6E4}">
+                <adec:decorative xmlns:adec="http://schemas.microsoft.com/office/drawing/2017/decorative" val="1"/>
+              </a:ext>
+            </a:extLst>
+          </p:cNvPr>
+          <p:cNvSpPr>
+            <a:spLocks noGrp="1" noRot="1" noChangeAspect="1" noMove="1" noResize="1" noEditPoints="1" noAdjustHandles="1" noChangeArrowheads="1" noChangeShapeType="1" noTextEdit="1"/>
+          </p:cNvSpPr>
+          <p:nvPr>
+            <p:extLst>
+              <p:ext uri="{386F3935-93C4-4BCD-93E2-E3B085C9AB24}">
+                <p16:designElem xmlns:p16="http://schemas.microsoft.com/office/powerpoint/2015/main" val="1"/>
+              </p:ext>
+            </p:extLst>
+          </p:nvPr>
+        </p:nvSpPr>
+        <p:spPr>
+          <a:xfrm>
+            <a:off x="8115423" y="6115501"/>
+            <a:ext cx="1494513" cy="742499"/>
+          </a:xfrm>
+          <a:prstGeom prst="triangle">
+            <a:avLst/>
+          </a:prstGeom>
+          <a:solidFill>
+            <a:schemeClr val="accent1">
+              <a:alpha val="30000"/>
+            </a:schemeClr>
+          </a:solidFill>
+          <a:ln>
+            <a:noFill/>
+          </a:ln>
+        </p:spPr>
+        <p:style>
+          <a:lnRef idx="2">
+            <a:schemeClr val="accent1">
+              <a:shade val="50000"/>
+            </a:schemeClr>
+          </a:lnRef>
+          <a:fillRef idx="1">
+            <a:schemeClr val="accent1"/>
+          </a:fillRef>
+          <a:effectRef idx="0">
+            <a:schemeClr val="accent1"/>
+          </a:effectRef>
+          <a:fontRef idx="minor">
+            <a:schemeClr val="lt1"/>
+          </a:fontRef>
+        </p:style>
+        <p:txBody>
+          <a:bodyPr wrap="square" rtlCol="0" anchor="ctr">
+            <a:noAutofit/>
+          </a:bodyPr>
+          <a:lstStyle/>
+          <a:p>
+            <a:pPr marL="0" marR="0" lvl="0" indent="0" algn="ctr" defTabSz="914400" rtl="0" eaLnBrk="1" fontAlgn="auto" latinLnBrk="0" hangingPunct="1">
+              <a:lnSpc>
+                <a:spcPct val="100000"/>
+              </a:lnSpc>
+              <a:spcBef>
+                <a:spcPts val="0"/>
+              </a:spcBef>
+              <a:spcAft>
+                <a:spcPts val="0"/>
+              </a:spcAft>
+              <a:buClrTx/>
+              <a:buSzTx/>
+              <a:buFontTx/>
+              <a:buNone/>
+              <a:tabLst/>
+              <a:defRPr/>
+            </a:pPr>
+            <a:endParaRPr kumimoji="0" lang="en-US" sz="1800" b="0" i="0" u="none" strike="noStrike" kern="1200" cap="none" spc="0" normalizeH="0" baseline="0" noProof="0" dirty="0">
+              <a:ln>
+                <a:noFill/>
+              </a:ln>
+              <a:solidFill>
+                <a:prstClr val="white"/>
+              </a:solidFill>
+              <a:effectLst/>
+              <a:uLnTx/>
+              <a:uFillTx/>
+              <a:latin typeface="Calibri" panose="020F0502020204030204"/>
+              <a:ea typeface="+mn-ea"/>
+              <a:cs typeface="+mn-cs"/>
+            </a:endParaRPr>
+          </a:p>
+        </p:txBody>
+      </p:sp>
+      <p:sp>
+        <p:nvSpPr>
+          <p:cNvPr id="20" name="Isosceles Triangle 19">
+            <a:extLst>
+              <a:ext uri="{FF2B5EF4-FFF2-40B4-BE49-F238E27FC236}">
+                <a16:creationId xmlns:a16="http://schemas.microsoft.com/office/drawing/2014/main" id="{3512E083-F550-46AF-8490-767ECFD00CB7}"/>
+              </a:ext>
+              <a:ext uri="{C183D7F6-B498-43B3-948B-1728B52AA6E4}">
+                <adec:decorative xmlns:adec="http://schemas.microsoft.com/office/drawing/2017/decorative" val="1"/>
+              </a:ext>
+            </a:extLst>
+          </p:cNvPr>
+          <p:cNvSpPr>
+            <a:spLocks noGrp="1" noRot="1" noChangeAspect="1" noMove="1" noResize="1" noEditPoints="1" noAdjustHandles="1" noChangeArrowheads="1" noChangeShapeType="1" noTextEdit="1"/>
+          </p:cNvSpPr>
+          <p:nvPr>
+            <p:extLst>
+              <p:ext uri="{386F3935-93C4-4BCD-93E2-E3B085C9AB24}">
+                <p16:designElem xmlns:p16="http://schemas.microsoft.com/office/powerpoint/2015/main" val="1"/>
+              </p:ext>
+            </p:extLst>
+          </p:nvPr>
+        </p:nvSpPr>
+        <p:spPr>
+          <a:xfrm>
+            <a:off x="9167297" y="6453143"/>
+            <a:ext cx="814903" cy="404857"/>
+          </a:xfrm>
+          <a:prstGeom prst="triangle">
+            <a:avLst/>
+          </a:prstGeom>
+          <a:solidFill>
+            <a:schemeClr val="accent1">
+              <a:alpha val="30000"/>
+            </a:schemeClr>
+          </a:solidFill>
+          <a:ln>
+            <a:noFill/>
+          </a:ln>
+        </p:spPr>
+        <p:style>
+          <a:lnRef idx="2">
+            <a:schemeClr val="accent1">
+              <a:shade val="50000"/>
+            </a:schemeClr>
+          </a:lnRef>
+          <a:fillRef idx="1">
+            <a:schemeClr val="accent1"/>
+          </a:fillRef>
+          <a:effectRef idx="0">
+            <a:schemeClr val="accent1"/>
+          </a:effectRef>
+          <a:fontRef idx="minor">
+            <a:schemeClr val="lt1"/>
+          </a:fontRef>
+        </p:style>
+        <p:txBody>
+          <a:bodyPr wrap="square" rtlCol="0" anchor="ctr">
+            <a:noAutofit/>
+          </a:bodyPr>
+          <a:lstStyle/>
+          <a:p>
+            <a:pPr marL="0" marR="0" lvl="0" indent="0" algn="ctr" defTabSz="914400" rtl="0" eaLnBrk="1" fontAlgn="auto" latinLnBrk="0" hangingPunct="1">
+              <a:lnSpc>
+                <a:spcPct val="100000"/>
+              </a:lnSpc>
+              <a:spcBef>
+                <a:spcPts val="0"/>
+              </a:spcBef>
+              <a:spcAft>
+                <a:spcPts val="0"/>
+              </a:spcAft>
+              <a:buClrTx/>
+              <a:buSzTx/>
+              <a:buFontTx/>
+              <a:buNone/>
+              <a:tabLst/>
+              <a:defRPr/>
+            </a:pPr>
+            <a:endParaRPr kumimoji="0" lang="en-US" sz="1800" b="0" i="0" u="none" strike="noStrike" kern="1200" cap="none" spc="0" normalizeH="0" baseline="0" noProof="0" dirty="0">
+              <a:ln>
+                <a:noFill/>
+              </a:ln>
+              <a:solidFill>
+                <a:prstClr val="white"/>
+              </a:solidFill>
+              <a:effectLst/>
+              <a:uLnTx/>
+              <a:uFillTx/>
+              <a:latin typeface="Calibri" panose="020F0502020204030204"/>
+              <a:ea typeface="+mn-ea"/>
+              <a:cs typeface="+mn-cs"/>
+            </a:endParaRPr>
+          </a:p>
+        </p:txBody>
+      </p:sp>
+      <p:sp>
+        <p:nvSpPr>
+          <p:cNvPr id="11" name="Inhaltsplatzhalter 2">
+            <a:extLst>
+              <a:ext uri="{FF2B5EF4-FFF2-40B4-BE49-F238E27FC236}">
+                <a16:creationId xmlns:a16="http://schemas.microsoft.com/office/drawing/2014/main" id="{70FC9368-72F9-438F-A51C-C909C056EF8D}"/>
+              </a:ext>
+            </a:extLst>
+          </p:cNvPr>
+          <p:cNvSpPr>
+            <a:spLocks noGrp="1"/>
+          </p:cNvSpPr>
+          <p:nvPr>
+            <p:ph idx="1"/>
+          </p:nvPr>
+        </p:nvSpPr>
+        <p:spPr>
+          <a:xfrm>
+            <a:off x="838200" y="1825625"/>
+            <a:ext cx="10515600" cy="4351338"/>
+          </a:xfrm>
+        </p:spPr>
+        <p:txBody>
+          <a:bodyPr/>
+          <a:lstStyle/>
+          <a:p>
+            <a:r>
+              <a:rPr lang="de-CH" dirty="0"/>
+              <a:t>Knopf</a:t>
+            </a:r>
+          </a:p>
+          <a:p>
+            <a:endParaRPr lang="de-CH" dirty="0"/>
+          </a:p>
+        </p:txBody>
+      </p:sp>
+      <p:sp>
+        <p:nvSpPr>
+          <p:cNvPr id="15" name="Titel 1">
+            <a:extLst>
+              <a:ext uri="{FF2B5EF4-FFF2-40B4-BE49-F238E27FC236}">
+                <a16:creationId xmlns:a16="http://schemas.microsoft.com/office/drawing/2014/main" id="{FF89AD9F-E6B1-4182-8E88-8C7600983687}"/>
+              </a:ext>
+            </a:extLst>
+          </p:cNvPr>
+          <p:cNvSpPr>
+            <a:spLocks noGrp="1"/>
+          </p:cNvSpPr>
+          <p:nvPr>
+            <p:ph type="title"/>
+          </p:nvPr>
+        </p:nvSpPr>
+        <p:spPr>
+          <a:xfrm>
+            <a:off x="838200" y="365125"/>
+            <a:ext cx="10515600" cy="1325563"/>
+          </a:xfrm>
+        </p:spPr>
+        <p:txBody>
+          <a:bodyPr/>
+          <a:lstStyle/>
+          <a:p>
+            <a:pPr algn="ctr"/>
+            <a:r>
+              <a:rPr lang="de-CH" dirty="0"/>
+              <a:t>Möglich 	</a:t>
+            </a:r>
+          </a:p>
+        </p:txBody>
+      </p:sp>
+    </p:spTree>
+    <p:extLst>
+      <p:ext uri="{BB962C8B-B14F-4D97-AF65-F5344CB8AC3E}">
+        <p14:creationId xmlns:p14="http://schemas.microsoft.com/office/powerpoint/2010/main" val="3041881619"/>
+      </p:ext>
+    </p:extLst>
+  </p:cSld>
+  <p:clrMapOvr>
+    <a:masterClrMapping/>
+  </p:clrMapOvr>
+</p:sld>
+</file>
+
+<file path=ppt/slides/slide9.xml><?xml version="1.0" encoding="utf-8"?>
 <p:sld xmlns:a="http://schemas.openxmlformats.org/drawingml/2006/main" xmlns:r="http://schemas.openxmlformats.org/officeDocument/2006/relationships" xmlns:p="http://schemas.openxmlformats.org/presentationml/2006/main">
   <p:cSld>
     <p:spTree>
@@ -13946,1905 +15845,6 @@
       </p:par>
     </p:tnLst>
   </p:timing>
-</p:sld>
-</file>
-
-<file path=ppt/slides/slide8.xml><?xml version="1.0" encoding="utf-8"?>
-<p:sld xmlns:a="http://schemas.openxmlformats.org/drawingml/2006/main" xmlns:r="http://schemas.openxmlformats.org/officeDocument/2006/relationships" xmlns:p="http://schemas.openxmlformats.org/presentationml/2006/main">
-  <p:cSld>
-    <p:spTree>
-      <p:nvGrpSpPr>
-        <p:cNvPr id="1" name=""/>
-        <p:cNvGrpSpPr/>
-        <p:nvPr/>
-      </p:nvGrpSpPr>
-      <p:grpSpPr>
-        <a:xfrm>
-          <a:off x="0" y="0"/>
-          <a:ext cx="0" cy="0"/>
-          <a:chOff x="0" y="0"/>
-          <a:chExt cx="0" cy="0"/>
-        </a:xfrm>
-      </p:grpSpPr>
-      <p:sp>
-        <p:nvSpPr>
-          <p:cNvPr id="8" name="Rectangle 7">
-            <a:extLst>
-              <a:ext uri="{FF2B5EF4-FFF2-40B4-BE49-F238E27FC236}">
-                <a16:creationId xmlns:a16="http://schemas.microsoft.com/office/drawing/2014/main" id="{46D6306C-ED4F-4AAE-B4A5-EEA6AFAD726E}"/>
-              </a:ext>
-              <a:ext uri="{C183D7F6-B498-43B3-948B-1728B52AA6E4}">
-                <adec:decorative xmlns:adec="http://schemas.microsoft.com/office/drawing/2017/decorative" val="1"/>
-              </a:ext>
-            </a:extLst>
-          </p:cNvPr>
-          <p:cNvSpPr>
-            <a:spLocks noGrp="1" noRot="1" noChangeAspect="1" noMove="1" noResize="1" noEditPoints="1" noAdjustHandles="1" noChangeArrowheads="1" noChangeShapeType="1" noTextEdit="1"/>
-          </p:cNvSpPr>
-          <p:nvPr>
-            <p:extLst>
-              <p:ext uri="{386F3935-93C4-4BCD-93E2-E3B085C9AB24}">
-                <p16:designElem xmlns:p16="http://schemas.microsoft.com/office/powerpoint/2015/main" val="1"/>
-              </p:ext>
-            </p:extLst>
-          </p:nvPr>
-        </p:nvSpPr>
-        <p:spPr>
-          <a:xfrm>
-            <a:off x="0" y="0"/>
-            <a:ext cx="12192000" cy="6858000"/>
-          </a:xfrm>
-          <a:prstGeom prst="rect">
-            <a:avLst/>
-          </a:prstGeom>
-          <a:solidFill>
-            <a:schemeClr val="bg1"/>
-          </a:solidFill>
-          <a:ln>
-            <a:noFill/>
-          </a:ln>
-        </p:spPr>
-        <p:style>
-          <a:lnRef idx="2">
-            <a:schemeClr val="accent1">
-              <a:shade val="50000"/>
-            </a:schemeClr>
-          </a:lnRef>
-          <a:fillRef idx="1">
-            <a:schemeClr val="accent1"/>
-          </a:fillRef>
-          <a:effectRef idx="0">
-            <a:schemeClr val="accent1"/>
-          </a:effectRef>
-          <a:fontRef idx="minor">
-            <a:schemeClr val="lt1"/>
-          </a:fontRef>
-        </p:style>
-        <p:txBody>
-          <a:bodyPr rtlCol="0" anchor="ctr"/>
-          <a:lstStyle/>
-          <a:p>
-            <a:pPr marL="0" marR="0" lvl="0" indent="0" algn="ctr" defTabSz="914400" rtl="0" eaLnBrk="1" fontAlgn="auto" latinLnBrk="0" hangingPunct="1">
-              <a:lnSpc>
-                <a:spcPct val="100000"/>
-              </a:lnSpc>
-              <a:spcBef>
-                <a:spcPts val="0"/>
-              </a:spcBef>
-              <a:spcAft>
-                <a:spcPts val="0"/>
-              </a:spcAft>
-              <a:buClrTx/>
-              <a:buSzTx/>
-              <a:buFontTx/>
-              <a:buNone/>
-              <a:tabLst/>
-              <a:defRPr/>
-            </a:pPr>
-            <a:endParaRPr kumimoji="0" lang="en-US" sz="1800" b="0" i="0" u="none" strike="noStrike" kern="1200" cap="none" spc="0" normalizeH="0" baseline="0" noProof="0" dirty="0">
-              <a:ln>
-                <a:noFill/>
-              </a:ln>
-              <a:solidFill>
-                <a:prstClr val="white"/>
-              </a:solidFill>
-              <a:effectLst/>
-              <a:uLnTx/>
-              <a:uFillTx/>
-              <a:latin typeface="Calibri" panose="020F0502020204030204"/>
-              <a:ea typeface="+mn-ea"/>
-              <a:cs typeface="+mn-cs"/>
-            </a:endParaRPr>
-          </a:p>
-        </p:txBody>
-      </p:sp>
-      <p:sp>
-        <p:nvSpPr>
-          <p:cNvPr id="10" name="Rectangle 9">
-            <a:extLst>
-              <a:ext uri="{FF2B5EF4-FFF2-40B4-BE49-F238E27FC236}">
-                <a16:creationId xmlns:a16="http://schemas.microsoft.com/office/drawing/2014/main" id="{0EC5361D-F897-4856-B945-0455A365EB24}"/>
-              </a:ext>
-              <a:ext uri="{C183D7F6-B498-43B3-948B-1728B52AA6E4}">
-                <adec:decorative xmlns:adec="http://schemas.microsoft.com/office/drawing/2017/decorative" val="1"/>
-              </a:ext>
-            </a:extLst>
-          </p:cNvPr>
-          <p:cNvSpPr>
-            <a:spLocks noGrp="1" noRot="1" noChangeAspect="1" noMove="1" noResize="1" noEditPoints="1" noAdjustHandles="1" noChangeArrowheads="1" noChangeShapeType="1" noTextEdit="1"/>
-          </p:cNvSpPr>
-          <p:nvPr>
-            <p:extLst>
-              <p:ext uri="{386F3935-93C4-4BCD-93E2-E3B085C9AB24}">
-                <p16:designElem xmlns:p16="http://schemas.microsoft.com/office/powerpoint/2015/main" val="1"/>
-              </p:ext>
-            </p:extLst>
-          </p:nvPr>
-        </p:nvSpPr>
-        <p:spPr>
-          <a:xfrm rot="2700000">
-            <a:off x="415435" y="655140"/>
-            <a:ext cx="687472" cy="687472"/>
-          </a:xfrm>
-          <a:prstGeom prst="rect">
-            <a:avLst/>
-          </a:prstGeom>
-          <a:solidFill>
-            <a:schemeClr val="accent4">
-              <a:alpha val="30000"/>
-            </a:schemeClr>
-          </a:solidFill>
-          <a:ln>
-            <a:noFill/>
-          </a:ln>
-        </p:spPr>
-        <p:style>
-          <a:lnRef idx="2">
-            <a:schemeClr val="accent1">
-              <a:shade val="50000"/>
-            </a:schemeClr>
-          </a:lnRef>
-          <a:fillRef idx="1">
-            <a:schemeClr val="accent1"/>
-          </a:fillRef>
-          <a:effectRef idx="0">
-            <a:schemeClr val="accent1"/>
-          </a:effectRef>
-          <a:fontRef idx="minor">
-            <a:schemeClr val="lt1"/>
-          </a:fontRef>
-        </p:style>
-        <p:txBody>
-          <a:bodyPr rtlCol="0" anchor="ctr"/>
-          <a:lstStyle/>
-          <a:p>
-            <a:pPr marL="0" marR="0" lvl="0" indent="0" algn="ctr" defTabSz="914400" rtl="0" eaLnBrk="1" fontAlgn="auto" latinLnBrk="0" hangingPunct="1">
-              <a:lnSpc>
-                <a:spcPct val="100000"/>
-              </a:lnSpc>
-              <a:spcBef>
-                <a:spcPts val="0"/>
-              </a:spcBef>
-              <a:spcAft>
-                <a:spcPts val="0"/>
-              </a:spcAft>
-              <a:buClrTx/>
-              <a:buSzTx/>
-              <a:buFontTx/>
-              <a:buNone/>
-              <a:tabLst/>
-              <a:defRPr/>
-            </a:pPr>
-            <a:endParaRPr kumimoji="0" lang="en-US" sz="1800" b="0" i="0" u="none" strike="noStrike" kern="1200" cap="none" spc="0" normalizeH="0" baseline="0" noProof="0" dirty="0">
-              <a:ln>
-                <a:noFill/>
-              </a:ln>
-              <a:solidFill>
-                <a:prstClr val="white"/>
-              </a:solidFill>
-              <a:effectLst/>
-              <a:uLnTx/>
-              <a:uFillTx/>
-              <a:latin typeface="Calibri" panose="020F0502020204030204"/>
-              <a:ea typeface="+mn-ea"/>
-              <a:cs typeface="+mn-cs"/>
-            </a:endParaRPr>
-          </a:p>
-        </p:txBody>
-      </p:sp>
-      <p:sp>
-        <p:nvSpPr>
-          <p:cNvPr id="12" name="Freeform: Shape 11">
-            <a:extLst>
-              <a:ext uri="{FF2B5EF4-FFF2-40B4-BE49-F238E27FC236}">
-                <a16:creationId xmlns:a16="http://schemas.microsoft.com/office/drawing/2014/main" id="{4508C0C5-2268-42B5-B3C8-4D0899E05F8C}"/>
-              </a:ext>
-              <a:ext uri="{C183D7F6-B498-43B3-948B-1728B52AA6E4}">
-                <adec:decorative xmlns:adec="http://schemas.microsoft.com/office/drawing/2017/decorative" val="1"/>
-              </a:ext>
-            </a:extLst>
-          </p:cNvPr>
-          <p:cNvSpPr>
-            <a:spLocks noGrp="1" noRot="1" noChangeAspect="1" noMove="1" noResize="1" noEditPoints="1" noAdjustHandles="1" noChangeArrowheads="1" noChangeShapeType="1" noTextEdit="1"/>
-          </p:cNvSpPr>
-          <p:nvPr>
-            <p:extLst>
-              <p:ext uri="{386F3935-93C4-4BCD-93E2-E3B085C9AB24}">
-                <p16:designElem xmlns:p16="http://schemas.microsoft.com/office/powerpoint/2015/main" val="1"/>
-              </p:ext>
-            </p:extLst>
-          </p:nvPr>
-        </p:nvSpPr>
-        <p:spPr>
-          <a:xfrm rot="10800000">
-            <a:off x="0" y="0"/>
-            <a:ext cx="2835357" cy="1480837"/>
-          </a:xfrm>
-          <a:custGeom>
-            <a:avLst/>
-            <a:gdLst>
-              <a:gd name="connsiteX0" fmla="*/ 2835357 w 2835357"/>
-              <a:gd name="connsiteY0" fmla="*/ 1480837 h 1480837"/>
-              <a:gd name="connsiteX1" fmla="*/ 0 w 2835357"/>
-              <a:gd name="connsiteY1" fmla="*/ 1480837 h 1480837"/>
-              <a:gd name="connsiteX2" fmla="*/ 1552727 w 2835357"/>
-              <a:gd name="connsiteY2" fmla="*/ 0 h 1480837"/>
-              <a:gd name="connsiteX3" fmla="*/ 2835357 w 2835357"/>
-              <a:gd name="connsiteY3" fmla="*/ 1223245 h 1480837"/>
-            </a:gdLst>
-            <a:ahLst/>
-            <a:cxnLst>
-              <a:cxn ang="0">
-                <a:pos x="connsiteX0" y="connsiteY0"/>
-              </a:cxn>
-              <a:cxn ang="0">
-                <a:pos x="connsiteX1" y="connsiteY1"/>
-              </a:cxn>
-              <a:cxn ang="0">
-                <a:pos x="connsiteX2" y="connsiteY2"/>
-              </a:cxn>
-              <a:cxn ang="0">
-                <a:pos x="connsiteX3" y="connsiteY3"/>
-              </a:cxn>
-            </a:cxnLst>
-            <a:rect l="l" t="t" r="r" b="b"/>
-            <a:pathLst>
-              <a:path w="2835357" h="1480837">
-                <a:moveTo>
-                  <a:pt x="2835357" y="1480837"/>
-                </a:moveTo>
-                <a:lnTo>
-                  <a:pt x="0" y="1480837"/>
-                </a:lnTo>
-                <a:lnTo>
-                  <a:pt x="1552727" y="0"/>
-                </a:lnTo>
-                <a:lnTo>
-                  <a:pt x="2835357" y="1223245"/>
-                </a:lnTo>
-                <a:close/>
-              </a:path>
-            </a:pathLst>
-          </a:custGeom>
-          <a:solidFill>
-            <a:schemeClr val="accent4">
-              <a:alpha val="30000"/>
-            </a:schemeClr>
-          </a:solidFill>
-          <a:ln>
-            <a:noFill/>
-          </a:ln>
-        </p:spPr>
-        <p:style>
-          <a:lnRef idx="2">
-            <a:schemeClr val="accent1">
-              <a:shade val="50000"/>
-            </a:schemeClr>
-          </a:lnRef>
-          <a:fillRef idx="1">
-            <a:schemeClr val="accent1"/>
-          </a:fillRef>
-          <a:effectRef idx="0">
-            <a:schemeClr val="accent1"/>
-          </a:effectRef>
-          <a:fontRef idx="minor">
-            <a:schemeClr val="lt1"/>
-          </a:fontRef>
-        </p:style>
-        <p:txBody>
-          <a:bodyPr wrap="square" rtlCol="0" anchor="ctr">
-            <a:noAutofit/>
-          </a:bodyPr>
-          <a:lstStyle/>
-          <a:p>
-            <a:pPr marL="0" marR="0" lvl="0" indent="0" algn="ctr" defTabSz="914400" rtl="0" eaLnBrk="1" fontAlgn="auto" latinLnBrk="0" hangingPunct="1">
-              <a:lnSpc>
-                <a:spcPct val="100000"/>
-              </a:lnSpc>
-              <a:spcBef>
-                <a:spcPts val="0"/>
-              </a:spcBef>
-              <a:spcAft>
-                <a:spcPts val="0"/>
-              </a:spcAft>
-              <a:buClrTx/>
-              <a:buSzTx/>
-              <a:buFontTx/>
-              <a:buNone/>
-              <a:tabLst/>
-              <a:defRPr/>
-            </a:pPr>
-            <a:endParaRPr kumimoji="0" lang="en-US" sz="1800" b="0" i="0" u="none" strike="noStrike" kern="1200" cap="none" spc="0" normalizeH="0" baseline="0" noProof="0" dirty="0">
-              <a:ln>
-                <a:noFill/>
-              </a:ln>
-              <a:solidFill>
-                <a:prstClr val="white"/>
-              </a:solidFill>
-              <a:effectLst/>
-              <a:uLnTx/>
-              <a:uFillTx/>
-              <a:latin typeface="Calibri" panose="020F0502020204030204"/>
-              <a:ea typeface="+mn-ea"/>
-              <a:cs typeface="+mn-cs"/>
-            </a:endParaRPr>
-          </a:p>
-        </p:txBody>
-      </p:sp>
-      <p:sp>
-        <p:nvSpPr>
-          <p:cNvPr id="14" name="Freeform: Shape 13">
-            <a:extLst>
-              <a:ext uri="{FF2B5EF4-FFF2-40B4-BE49-F238E27FC236}">
-                <a16:creationId xmlns:a16="http://schemas.microsoft.com/office/drawing/2014/main" id="{141ACBDB-38F8-4B34-8183-BD95B4E55A62}"/>
-              </a:ext>
-              <a:ext uri="{C183D7F6-B498-43B3-948B-1728B52AA6E4}">
-                <adec:decorative xmlns:adec="http://schemas.microsoft.com/office/drawing/2017/decorative" val="1"/>
-              </a:ext>
-            </a:extLst>
-          </p:cNvPr>
-          <p:cNvSpPr>
-            <a:spLocks noGrp="1" noRot="1" noChangeAspect="1" noMove="1" noResize="1" noEditPoints="1" noAdjustHandles="1" noChangeArrowheads="1" noChangeShapeType="1" noTextEdit="1"/>
-          </p:cNvSpPr>
-          <p:nvPr>
-            <p:extLst>
-              <p:ext uri="{386F3935-93C4-4BCD-93E2-E3B085C9AB24}">
-                <p16:designElem xmlns:p16="http://schemas.microsoft.com/office/powerpoint/2015/main" val="1"/>
-              </p:ext>
-            </p:extLst>
-          </p:nvPr>
-        </p:nvSpPr>
-        <p:spPr>
-          <a:xfrm rot="2700000">
-            <a:off x="10739327" y="-253670"/>
-            <a:ext cx="1827638" cy="1376989"/>
-          </a:xfrm>
-          <a:custGeom>
-            <a:avLst/>
-            <a:gdLst>
-              <a:gd name="connsiteX0" fmla="*/ 0 w 1827638"/>
-              <a:gd name="connsiteY0" fmla="*/ 987379 h 1376989"/>
-              <a:gd name="connsiteX1" fmla="*/ 987379 w 1827638"/>
-              <a:gd name="connsiteY1" fmla="*/ 0 h 1376989"/>
-              <a:gd name="connsiteX2" fmla="*/ 1827638 w 1827638"/>
-              <a:gd name="connsiteY2" fmla="*/ 840260 h 1376989"/>
-              <a:gd name="connsiteX3" fmla="*/ 1827638 w 1827638"/>
-              <a:gd name="connsiteY3" fmla="*/ 1376989 h 1376989"/>
-              <a:gd name="connsiteX4" fmla="*/ 0 w 1827638"/>
-              <a:gd name="connsiteY4" fmla="*/ 1376989 h 1376989"/>
-            </a:gdLst>
-            <a:ahLst/>
-            <a:cxnLst>
-              <a:cxn ang="0">
-                <a:pos x="connsiteX0" y="connsiteY0"/>
-              </a:cxn>
-              <a:cxn ang="0">
-                <a:pos x="connsiteX1" y="connsiteY1"/>
-              </a:cxn>
-              <a:cxn ang="0">
-                <a:pos x="connsiteX2" y="connsiteY2"/>
-              </a:cxn>
-              <a:cxn ang="0">
-                <a:pos x="connsiteX3" y="connsiteY3"/>
-              </a:cxn>
-              <a:cxn ang="0">
-                <a:pos x="connsiteX4" y="connsiteY4"/>
-              </a:cxn>
-            </a:cxnLst>
-            <a:rect l="l" t="t" r="r" b="b"/>
-            <a:pathLst>
-              <a:path w="1827638" h="1376989">
-                <a:moveTo>
-                  <a:pt x="0" y="987379"/>
-                </a:moveTo>
-                <a:lnTo>
-                  <a:pt x="987379" y="0"/>
-                </a:lnTo>
-                <a:lnTo>
-                  <a:pt x="1827638" y="840260"/>
-                </a:lnTo>
-                <a:lnTo>
-                  <a:pt x="1827638" y="1376989"/>
-                </a:lnTo>
-                <a:lnTo>
-                  <a:pt x="0" y="1376989"/>
-                </a:lnTo>
-                <a:close/>
-              </a:path>
-            </a:pathLst>
-          </a:custGeom>
-          <a:solidFill>
-            <a:schemeClr val="accent1">
-              <a:alpha val="30000"/>
-            </a:schemeClr>
-          </a:solidFill>
-          <a:ln>
-            <a:noFill/>
-          </a:ln>
-        </p:spPr>
-        <p:style>
-          <a:lnRef idx="2">
-            <a:schemeClr val="accent1">
-              <a:shade val="50000"/>
-            </a:schemeClr>
-          </a:lnRef>
-          <a:fillRef idx="1">
-            <a:schemeClr val="accent1"/>
-          </a:fillRef>
-          <a:effectRef idx="0">
-            <a:schemeClr val="accent1"/>
-          </a:effectRef>
-          <a:fontRef idx="minor">
-            <a:schemeClr val="lt1"/>
-          </a:fontRef>
-        </p:style>
-        <p:txBody>
-          <a:bodyPr wrap="square" rtlCol="0" anchor="ctr">
-            <a:noAutofit/>
-          </a:bodyPr>
-          <a:lstStyle/>
-          <a:p>
-            <a:pPr marL="0" marR="0" lvl="0" indent="0" algn="ctr" defTabSz="914400" rtl="0" eaLnBrk="1" fontAlgn="auto" latinLnBrk="0" hangingPunct="1">
-              <a:lnSpc>
-                <a:spcPct val="100000"/>
-              </a:lnSpc>
-              <a:spcBef>
-                <a:spcPts val="0"/>
-              </a:spcBef>
-              <a:spcAft>
-                <a:spcPts val="0"/>
-              </a:spcAft>
-              <a:buClrTx/>
-              <a:buSzTx/>
-              <a:buFontTx/>
-              <a:buNone/>
-              <a:tabLst/>
-              <a:defRPr/>
-            </a:pPr>
-            <a:endParaRPr kumimoji="0" lang="en-US" sz="1800" b="0" i="0" u="none" strike="noStrike" kern="1200" cap="none" spc="0" normalizeH="0" baseline="0" noProof="0" dirty="0">
-              <a:ln>
-                <a:noFill/>
-              </a:ln>
-              <a:solidFill>
-                <a:prstClr val="white"/>
-              </a:solidFill>
-              <a:effectLst/>
-              <a:uLnTx/>
-              <a:uFillTx/>
-              <a:latin typeface="Calibri" panose="020F0502020204030204"/>
-              <a:ea typeface="+mn-ea"/>
-              <a:cs typeface="+mn-cs"/>
-            </a:endParaRPr>
-          </a:p>
-        </p:txBody>
-      </p:sp>
-      <p:sp>
-        <p:nvSpPr>
-          <p:cNvPr id="16" name="Rectangle 15">
-            <a:extLst>
-              <a:ext uri="{FF2B5EF4-FFF2-40B4-BE49-F238E27FC236}">
-                <a16:creationId xmlns:a16="http://schemas.microsoft.com/office/drawing/2014/main" id="{DE00DB52-3455-4E2F-867B-A6D0516E175B}"/>
-              </a:ext>
-              <a:ext uri="{C183D7F6-B498-43B3-948B-1728B52AA6E4}">
-                <adec:decorative xmlns:adec="http://schemas.microsoft.com/office/drawing/2017/decorative" val="1"/>
-              </a:ext>
-            </a:extLst>
-          </p:cNvPr>
-          <p:cNvSpPr>
-            <a:spLocks noGrp="1" noRot="1" noChangeAspect="1" noMove="1" noResize="1" noEditPoints="1" noAdjustHandles="1" noChangeArrowheads="1" noChangeShapeType="1" noTextEdit="1"/>
-          </p:cNvSpPr>
-          <p:nvPr>
-            <p:extLst>
-              <p:ext uri="{386F3935-93C4-4BCD-93E2-E3B085C9AB24}">
-                <p16:designElem xmlns:p16="http://schemas.microsoft.com/office/powerpoint/2015/main" val="1"/>
-              </p:ext>
-            </p:extLst>
-          </p:nvPr>
-        </p:nvSpPr>
-        <p:spPr>
-          <a:xfrm rot="2700000">
-            <a:off x="10653800" y="422146"/>
-            <a:ext cx="645368" cy="645368"/>
-          </a:xfrm>
-          <a:prstGeom prst="rect">
-            <a:avLst/>
-          </a:prstGeom>
-          <a:solidFill>
-            <a:schemeClr val="accent1">
-              <a:alpha val="30000"/>
-            </a:schemeClr>
-          </a:solidFill>
-          <a:ln>
-            <a:noFill/>
-          </a:ln>
-        </p:spPr>
-        <p:style>
-          <a:lnRef idx="2">
-            <a:schemeClr val="accent1">
-              <a:shade val="50000"/>
-            </a:schemeClr>
-          </a:lnRef>
-          <a:fillRef idx="1">
-            <a:schemeClr val="accent1"/>
-          </a:fillRef>
-          <a:effectRef idx="0">
-            <a:schemeClr val="accent1"/>
-          </a:effectRef>
-          <a:fontRef idx="minor">
-            <a:schemeClr val="lt1"/>
-          </a:fontRef>
-        </p:style>
-        <p:txBody>
-          <a:bodyPr wrap="square" rtlCol="0" anchor="ctr">
-            <a:noAutofit/>
-          </a:bodyPr>
-          <a:lstStyle/>
-          <a:p>
-            <a:pPr marL="0" marR="0" lvl="0" indent="0" algn="ctr" defTabSz="914400" rtl="0" eaLnBrk="1" fontAlgn="auto" latinLnBrk="0" hangingPunct="1">
-              <a:lnSpc>
-                <a:spcPct val="100000"/>
-              </a:lnSpc>
-              <a:spcBef>
-                <a:spcPts val="0"/>
-              </a:spcBef>
-              <a:spcAft>
-                <a:spcPts val="0"/>
-              </a:spcAft>
-              <a:buClrTx/>
-              <a:buSzTx/>
-              <a:buFontTx/>
-              <a:buNone/>
-              <a:tabLst/>
-              <a:defRPr/>
-            </a:pPr>
-            <a:endParaRPr kumimoji="0" lang="en-US" sz="1800" b="0" i="0" u="none" strike="noStrike" kern="1200" cap="none" spc="0" normalizeH="0" baseline="0" noProof="0" dirty="0">
-              <a:ln>
-                <a:noFill/>
-              </a:ln>
-              <a:solidFill>
-                <a:prstClr val="white"/>
-              </a:solidFill>
-              <a:effectLst/>
-              <a:uLnTx/>
-              <a:uFillTx/>
-              <a:latin typeface="Calibri" panose="020F0502020204030204"/>
-              <a:ea typeface="+mn-ea"/>
-              <a:cs typeface="+mn-cs"/>
-            </a:endParaRPr>
-          </a:p>
-        </p:txBody>
-      </p:sp>
-      <p:sp>
-        <p:nvSpPr>
-          <p:cNvPr id="18" name="Isosceles Triangle 17">
-            <a:extLst>
-              <a:ext uri="{FF2B5EF4-FFF2-40B4-BE49-F238E27FC236}">
-                <a16:creationId xmlns:a16="http://schemas.microsoft.com/office/drawing/2014/main" id="{9E914C83-E0D8-4953-92D5-169D28CB43AE}"/>
-              </a:ext>
-              <a:ext uri="{C183D7F6-B498-43B3-948B-1728B52AA6E4}">
-                <adec:decorative xmlns:adec="http://schemas.microsoft.com/office/drawing/2017/decorative" val="1"/>
-              </a:ext>
-            </a:extLst>
-          </p:cNvPr>
-          <p:cNvSpPr>
-            <a:spLocks noGrp="1" noRot="1" noChangeAspect="1" noMove="1" noResize="1" noEditPoints="1" noAdjustHandles="1" noChangeArrowheads="1" noChangeShapeType="1" noTextEdit="1"/>
-          </p:cNvSpPr>
-          <p:nvPr>
-            <p:extLst>
-              <p:ext uri="{386F3935-93C4-4BCD-93E2-E3B085C9AB24}">
-                <p16:designElem xmlns:p16="http://schemas.microsoft.com/office/powerpoint/2015/main" val="1"/>
-              </p:ext>
-            </p:extLst>
-          </p:nvPr>
-        </p:nvSpPr>
-        <p:spPr>
-          <a:xfrm>
-            <a:off x="8115423" y="6115501"/>
-            <a:ext cx="1494513" cy="742499"/>
-          </a:xfrm>
-          <a:prstGeom prst="triangle">
-            <a:avLst/>
-          </a:prstGeom>
-          <a:solidFill>
-            <a:schemeClr val="accent1">
-              <a:alpha val="30000"/>
-            </a:schemeClr>
-          </a:solidFill>
-          <a:ln>
-            <a:noFill/>
-          </a:ln>
-        </p:spPr>
-        <p:style>
-          <a:lnRef idx="2">
-            <a:schemeClr val="accent1">
-              <a:shade val="50000"/>
-            </a:schemeClr>
-          </a:lnRef>
-          <a:fillRef idx="1">
-            <a:schemeClr val="accent1"/>
-          </a:fillRef>
-          <a:effectRef idx="0">
-            <a:schemeClr val="accent1"/>
-          </a:effectRef>
-          <a:fontRef idx="minor">
-            <a:schemeClr val="lt1"/>
-          </a:fontRef>
-        </p:style>
-        <p:txBody>
-          <a:bodyPr wrap="square" rtlCol="0" anchor="ctr">
-            <a:noAutofit/>
-          </a:bodyPr>
-          <a:lstStyle/>
-          <a:p>
-            <a:pPr marL="0" marR="0" lvl="0" indent="0" algn="ctr" defTabSz="914400" rtl="0" eaLnBrk="1" fontAlgn="auto" latinLnBrk="0" hangingPunct="1">
-              <a:lnSpc>
-                <a:spcPct val="100000"/>
-              </a:lnSpc>
-              <a:spcBef>
-                <a:spcPts val="0"/>
-              </a:spcBef>
-              <a:spcAft>
-                <a:spcPts val="0"/>
-              </a:spcAft>
-              <a:buClrTx/>
-              <a:buSzTx/>
-              <a:buFontTx/>
-              <a:buNone/>
-              <a:tabLst/>
-              <a:defRPr/>
-            </a:pPr>
-            <a:endParaRPr kumimoji="0" lang="en-US" sz="1800" b="0" i="0" u="none" strike="noStrike" kern="1200" cap="none" spc="0" normalizeH="0" baseline="0" noProof="0" dirty="0">
-              <a:ln>
-                <a:noFill/>
-              </a:ln>
-              <a:solidFill>
-                <a:prstClr val="white"/>
-              </a:solidFill>
-              <a:effectLst/>
-              <a:uLnTx/>
-              <a:uFillTx/>
-              <a:latin typeface="Calibri" panose="020F0502020204030204"/>
-              <a:ea typeface="+mn-ea"/>
-              <a:cs typeface="+mn-cs"/>
-            </a:endParaRPr>
-          </a:p>
-        </p:txBody>
-      </p:sp>
-      <p:sp>
-        <p:nvSpPr>
-          <p:cNvPr id="20" name="Isosceles Triangle 19">
-            <a:extLst>
-              <a:ext uri="{FF2B5EF4-FFF2-40B4-BE49-F238E27FC236}">
-                <a16:creationId xmlns:a16="http://schemas.microsoft.com/office/drawing/2014/main" id="{3512E083-F550-46AF-8490-767ECFD00CB7}"/>
-              </a:ext>
-              <a:ext uri="{C183D7F6-B498-43B3-948B-1728B52AA6E4}">
-                <adec:decorative xmlns:adec="http://schemas.microsoft.com/office/drawing/2017/decorative" val="1"/>
-              </a:ext>
-            </a:extLst>
-          </p:cNvPr>
-          <p:cNvSpPr>
-            <a:spLocks noGrp="1" noRot="1" noChangeAspect="1" noMove="1" noResize="1" noEditPoints="1" noAdjustHandles="1" noChangeArrowheads="1" noChangeShapeType="1" noTextEdit="1"/>
-          </p:cNvSpPr>
-          <p:nvPr>
-            <p:extLst>
-              <p:ext uri="{386F3935-93C4-4BCD-93E2-E3B085C9AB24}">
-                <p16:designElem xmlns:p16="http://schemas.microsoft.com/office/powerpoint/2015/main" val="1"/>
-              </p:ext>
-            </p:extLst>
-          </p:nvPr>
-        </p:nvSpPr>
-        <p:spPr>
-          <a:xfrm>
-            <a:off x="9167297" y="6453143"/>
-            <a:ext cx="814903" cy="404857"/>
-          </a:xfrm>
-          <a:prstGeom prst="triangle">
-            <a:avLst/>
-          </a:prstGeom>
-          <a:solidFill>
-            <a:schemeClr val="accent1">
-              <a:alpha val="30000"/>
-            </a:schemeClr>
-          </a:solidFill>
-          <a:ln>
-            <a:noFill/>
-          </a:ln>
-        </p:spPr>
-        <p:style>
-          <a:lnRef idx="2">
-            <a:schemeClr val="accent1">
-              <a:shade val="50000"/>
-            </a:schemeClr>
-          </a:lnRef>
-          <a:fillRef idx="1">
-            <a:schemeClr val="accent1"/>
-          </a:fillRef>
-          <a:effectRef idx="0">
-            <a:schemeClr val="accent1"/>
-          </a:effectRef>
-          <a:fontRef idx="minor">
-            <a:schemeClr val="lt1"/>
-          </a:fontRef>
-        </p:style>
-        <p:txBody>
-          <a:bodyPr wrap="square" rtlCol="0" anchor="ctr">
-            <a:noAutofit/>
-          </a:bodyPr>
-          <a:lstStyle/>
-          <a:p>
-            <a:pPr marL="0" marR="0" lvl="0" indent="0" algn="ctr" defTabSz="914400" rtl="0" eaLnBrk="1" fontAlgn="auto" latinLnBrk="0" hangingPunct="1">
-              <a:lnSpc>
-                <a:spcPct val="100000"/>
-              </a:lnSpc>
-              <a:spcBef>
-                <a:spcPts val="0"/>
-              </a:spcBef>
-              <a:spcAft>
-                <a:spcPts val="0"/>
-              </a:spcAft>
-              <a:buClrTx/>
-              <a:buSzTx/>
-              <a:buFontTx/>
-              <a:buNone/>
-              <a:tabLst/>
-              <a:defRPr/>
-            </a:pPr>
-            <a:endParaRPr kumimoji="0" lang="en-US" sz="1800" b="0" i="0" u="none" strike="noStrike" kern="1200" cap="none" spc="0" normalizeH="0" baseline="0" noProof="0" dirty="0">
-              <a:ln>
-                <a:noFill/>
-              </a:ln>
-              <a:solidFill>
-                <a:prstClr val="white"/>
-              </a:solidFill>
-              <a:effectLst/>
-              <a:uLnTx/>
-              <a:uFillTx/>
-              <a:latin typeface="Calibri" panose="020F0502020204030204"/>
-              <a:ea typeface="+mn-ea"/>
-              <a:cs typeface="+mn-cs"/>
-            </a:endParaRPr>
-          </a:p>
-        </p:txBody>
-      </p:sp>
-      <p:sp>
-        <p:nvSpPr>
-          <p:cNvPr id="15" name="Titel 1">
-            <a:extLst>
-              <a:ext uri="{FF2B5EF4-FFF2-40B4-BE49-F238E27FC236}">
-                <a16:creationId xmlns:a16="http://schemas.microsoft.com/office/drawing/2014/main" id="{FF89AD9F-E6B1-4182-8E88-8C7600983687}"/>
-              </a:ext>
-            </a:extLst>
-          </p:cNvPr>
-          <p:cNvSpPr>
-            <a:spLocks noGrp="1"/>
-          </p:cNvSpPr>
-          <p:nvPr>
-            <p:ph type="title"/>
-          </p:nvPr>
-        </p:nvSpPr>
-        <p:spPr>
-          <a:xfrm>
-            <a:off x="838200" y="365125"/>
-            <a:ext cx="10515600" cy="1325563"/>
-          </a:xfrm>
-        </p:spPr>
-        <p:txBody>
-          <a:bodyPr/>
-          <a:lstStyle/>
-          <a:p>
-            <a:pPr algn="ctr"/>
-            <a:r>
-              <a:rPr lang="de-CH" dirty="0"/>
-              <a:t>LOG/Protokoll</a:t>
-            </a:r>
-          </a:p>
-        </p:txBody>
-      </p:sp>
-      <p:sp>
-        <p:nvSpPr>
-          <p:cNvPr id="26" name="Inhaltsplatzhalter 25">
-            <a:extLst>
-              <a:ext uri="{FF2B5EF4-FFF2-40B4-BE49-F238E27FC236}">
-                <a16:creationId xmlns:a16="http://schemas.microsoft.com/office/drawing/2014/main" id="{F6115DC1-877F-1F64-F456-1740C99A8D53}"/>
-              </a:ext>
-            </a:extLst>
-          </p:cNvPr>
-          <p:cNvSpPr>
-            <a:spLocks noGrp="1"/>
-          </p:cNvSpPr>
-          <p:nvPr>
-            <p:ph idx="1"/>
-          </p:nvPr>
-        </p:nvSpPr>
-        <p:spPr/>
-        <p:txBody>
-          <a:bodyPr/>
-          <a:lstStyle/>
-          <a:p>
-            <a:endParaRPr lang="de-CH" dirty="0"/>
-          </a:p>
-          <a:p>
-            <a:endParaRPr lang="de-CH" dirty="0"/>
-          </a:p>
-          <a:p>
-            <a:endParaRPr lang="de-CH" dirty="0"/>
-          </a:p>
-          <a:p>
-            <a:r>
-              <a:rPr lang="de-CH" dirty="0"/>
-              <a:t>Bin ich </a:t>
-            </a:r>
-            <a:r>
-              <a:rPr lang="de-CH" dirty="0" err="1"/>
-              <a:t>gehacked</a:t>
-            </a:r>
-            <a:r>
-              <a:rPr lang="de-CH" dirty="0"/>
-              <a:t> worden?</a:t>
-            </a:r>
-          </a:p>
-          <a:p>
-            <a:r>
-              <a:rPr lang="de-CH" dirty="0"/>
-              <a:t>Was wurde entwendet?</a:t>
-            </a:r>
-          </a:p>
-          <a:p>
-            <a:endParaRPr lang="de-CH" dirty="0"/>
-          </a:p>
-          <a:p>
-            <a:endParaRPr lang="de-CH" dirty="0"/>
-          </a:p>
-        </p:txBody>
-      </p:sp>
-    </p:spTree>
-    <p:extLst>
-      <p:ext uri="{BB962C8B-B14F-4D97-AF65-F5344CB8AC3E}">
-        <p14:creationId xmlns:p14="http://schemas.microsoft.com/office/powerpoint/2010/main" val="743324813"/>
-      </p:ext>
-    </p:extLst>
-  </p:cSld>
-  <p:clrMapOvr>
-    <a:masterClrMapping/>
-  </p:clrMapOvr>
-</p:sld>
-</file>
-
-<file path=ppt/slides/slide9.xml><?xml version="1.0" encoding="utf-8"?>
-<p:sld xmlns:a="http://schemas.openxmlformats.org/drawingml/2006/main" xmlns:r="http://schemas.openxmlformats.org/officeDocument/2006/relationships" xmlns:p="http://schemas.openxmlformats.org/presentationml/2006/main">
-  <p:cSld>
-    <p:spTree>
-      <p:nvGrpSpPr>
-        <p:cNvPr id="1" name=""/>
-        <p:cNvGrpSpPr/>
-        <p:nvPr/>
-      </p:nvGrpSpPr>
-      <p:grpSpPr>
-        <a:xfrm>
-          <a:off x="0" y="0"/>
-          <a:ext cx="0" cy="0"/>
-          <a:chOff x="0" y="0"/>
-          <a:chExt cx="0" cy="0"/>
-        </a:xfrm>
-      </p:grpSpPr>
-      <p:sp>
-        <p:nvSpPr>
-          <p:cNvPr id="8" name="Rectangle 7">
-            <a:extLst>
-              <a:ext uri="{FF2B5EF4-FFF2-40B4-BE49-F238E27FC236}">
-                <a16:creationId xmlns:a16="http://schemas.microsoft.com/office/drawing/2014/main" id="{46D6306C-ED4F-4AAE-B4A5-EEA6AFAD726E}"/>
-              </a:ext>
-              <a:ext uri="{C183D7F6-B498-43B3-948B-1728B52AA6E4}">
-                <adec:decorative xmlns:adec="http://schemas.microsoft.com/office/drawing/2017/decorative" val="1"/>
-              </a:ext>
-            </a:extLst>
-          </p:cNvPr>
-          <p:cNvSpPr>
-            <a:spLocks noGrp="1" noRot="1" noChangeAspect="1" noMove="1" noResize="1" noEditPoints="1" noAdjustHandles="1" noChangeArrowheads="1" noChangeShapeType="1" noTextEdit="1"/>
-          </p:cNvSpPr>
-          <p:nvPr>
-            <p:extLst>
-              <p:ext uri="{386F3935-93C4-4BCD-93E2-E3B085C9AB24}">
-                <p16:designElem xmlns:p16="http://schemas.microsoft.com/office/powerpoint/2015/main" val="1"/>
-              </p:ext>
-            </p:extLst>
-          </p:nvPr>
-        </p:nvSpPr>
-        <p:spPr>
-          <a:xfrm>
-            <a:off x="0" y="0"/>
-            <a:ext cx="12192000" cy="6858000"/>
-          </a:xfrm>
-          <a:prstGeom prst="rect">
-            <a:avLst/>
-          </a:prstGeom>
-          <a:solidFill>
-            <a:schemeClr val="bg1"/>
-          </a:solidFill>
-          <a:ln>
-            <a:noFill/>
-          </a:ln>
-        </p:spPr>
-        <p:style>
-          <a:lnRef idx="2">
-            <a:schemeClr val="accent1">
-              <a:shade val="50000"/>
-            </a:schemeClr>
-          </a:lnRef>
-          <a:fillRef idx="1">
-            <a:schemeClr val="accent1"/>
-          </a:fillRef>
-          <a:effectRef idx="0">
-            <a:schemeClr val="accent1"/>
-          </a:effectRef>
-          <a:fontRef idx="minor">
-            <a:schemeClr val="lt1"/>
-          </a:fontRef>
-        </p:style>
-        <p:txBody>
-          <a:bodyPr rtlCol="0" anchor="ctr"/>
-          <a:lstStyle/>
-          <a:p>
-            <a:pPr marL="0" marR="0" lvl="0" indent="0" algn="ctr" defTabSz="914400" rtl="0" eaLnBrk="1" fontAlgn="auto" latinLnBrk="0" hangingPunct="1">
-              <a:lnSpc>
-                <a:spcPct val="100000"/>
-              </a:lnSpc>
-              <a:spcBef>
-                <a:spcPts val="0"/>
-              </a:spcBef>
-              <a:spcAft>
-                <a:spcPts val="0"/>
-              </a:spcAft>
-              <a:buClrTx/>
-              <a:buSzTx/>
-              <a:buFontTx/>
-              <a:buNone/>
-              <a:tabLst/>
-              <a:defRPr/>
-            </a:pPr>
-            <a:endParaRPr kumimoji="0" lang="en-US" sz="1800" b="0" i="0" u="none" strike="noStrike" kern="1200" cap="none" spc="0" normalizeH="0" baseline="0" noProof="0" dirty="0">
-              <a:ln>
-                <a:noFill/>
-              </a:ln>
-              <a:solidFill>
-                <a:prstClr val="white"/>
-              </a:solidFill>
-              <a:effectLst/>
-              <a:uLnTx/>
-              <a:uFillTx/>
-              <a:latin typeface="Calibri" panose="020F0502020204030204"/>
-              <a:ea typeface="+mn-ea"/>
-              <a:cs typeface="+mn-cs"/>
-            </a:endParaRPr>
-          </a:p>
-        </p:txBody>
-      </p:sp>
-      <p:sp>
-        <p:nvSpPr>
-          <p:cNvPr id="10" name="Rectangle 9">
-            <a:extLst>
-              <a:ext uri="{FF2B5EF4-FFF2-40B4-BE49-F238E27FC236}">
-                <a16:creationId xmlns:a16="http://schemas.microsoft.com/office/drawing/2014/main" id="{0EC5361D-F897-4856-B945-0455A365EB24}"/>
-              </a:ext>
-              <a:ext uri="{C183D7F6-B498-43B3-948B-1728B52AA6E4}">
-                <adec:decorative xmlns:adec="http://schemas.microsoft.com/office/drawing/2017/decorative" val="1"/>
-              </a:ext>
-            </a:extLst>
-          </p:cNvPr>
-          <p:cNvSpPr>
-            <a:spLocks noGrp="1" noRot="1" noChangeAspect="1" noMove="1" noResize="1" noEditPoints="1" noAdjustHandles="1" noChangeArrowheads="1" noChangeShapeType="1" noTextEdit="1"/>
-          </p:cNvSpPr>
-          <p:nvPr>
-            <p:extLst>
-              <p:ext uri="{386F3935-93C4-4BCD-93E2-E3B085C9AB24}">
-                <p16:designElem xmlns:p16="http://schemas.microsoft.com/office/powerpoint/2015/main" val="1"/>
-              </p:ext>
-            </p:extLst>
-          </p:nvPr>
-        </p:nvSpPr>
-        <p:spPr>
-          <a:xfrm rot="2700000">
-            <a:off x="415435" y="655140"/>
-            <a:ext cx="687472" cy="687472"/>
-          </a:xfrm>
-          <a:prstGeom prst="rect">
-            <a:avLst/>
-          </a:prstGeom>
-          <a:solidFill>
-            <a:schemeClr val="accent4">
-              <a:alpha val="30000"/>
-            </a:schemeClr>
-          </a:solidFill>
-          <a:ln>
-            <a:noFill/>
-          </a:ln>
-        </p:spPr>
-        <p:style>
-          <a:lnRef idx="2">
-            <a:schemeClr val="accent1">
-              <a:shade val="50000"/>
-            </a:schemeClr>
-          </a:lnRef>
-          <a:fillRef idx="1">
-            <a:schemeClr val="accent1"/>
-          </a:fillRef>
-          <a:effectRef idx="0">
-            <a:schemeClr val="accent1"/>
-          </a:effectRef>
-          <a:fontRef idx="minor">
-            <a:schemeClr val="lt1"/>
-          </a:fontRef>
-        </p:style>
-        <p:txBody>
-          <a:bodyPr rtlCol="0" anchor="ctr"/>
-          <a:lstStyle/>
-          <a:p>
-            <a:pPr marL="0" marR="0" lvl="0" indent="0" algn="ctr" defTabSz="914400" rtl="0" eaLnBrk="1" fontAlgn="auto" latinLnBrk="0" hangingPunct="1">
-              <a:lnSpc>
-                <a:spcPct val="100000"/>
-              </a:lnSpc>
-              <a:spcBef>
-                <a:spcPts val="0"/>
-              </a:spcBef>
-              <a:spcAft>
-                <a:spcPts val="0"/>
-              </a:spcAft>
-              <a:buClrTx/>
-              <a:buSzTx/>
-              <a:buFontTx/>
-              <a:buNone/>
-              <a:tabLst/>
-              <a:defRPr/>
-            </a:pPr>
-            <a:endParaRPr kumimoji="0" lang="en-US" sz="1800" b="0" i="0" u="none" strike="noStrike" kern="1200" cap="none" spc="0" normalizeH="0" baseline="0" noProof="0" dirty="0">
-              <a:ln>
-                <a:noFill/>
-              </a:ln>
-              <a:solidFill>
-                <a:prstClr val="white"/>
-              </a:solidFill>
-              <a:effectLst/>
-              <a:uLnTx/>
-              <a:uFillTx/>
-              <a:latin typeface="Calibri" panose="020F0502020204030204"/>
-              <a:ea typeface="+mn-ea"/>
-              <a:cs typeface="+mn-cs"/>
-            </a:endParaRPr>
-          </a:p>
-        </p:txBody>
-      </p:sp>
-      <p:sp>
-        <p:nvSpPr>
-          <p:cNvPr id="12" name="Freeform: Shape 11">
-            <a:extLst>
-              <a:ext uri="{FF2B5EF4-FFF2-40B4-BE49-F238E27FC236}">
-                <a16:creationId xmlns:a16="http://schemas.microsoft.com/office/drawing/2014/main" id="{4508C0C5-2268-42B5-B3C8-4D0899E05F8C}"/>
-              </a:ext>
-              <a:ext uri="{C183D7F6-B498-43B3-948B-1728B52AA6E4}">
-                <adec:decorative xmlns:adec="http://schemas.microsoft.com/office/drawing/2017/decorative" val="1"/>
-              </a:ext>
-            </a:extLst>
-          </p:cNvPr>
-          <p:cNvSpPr>
-            <a:spLocks noGrp="1" noRot="1" noChangeAspect="1" noMove="1" noResize="1" noEditPoints="1" noAdjustHandles="1" noChangeArrowheads="1" noChangeShapeType="1" noTextEdit="1"/>
-          </p:cNvSpPr>
-          <p:nvPr>
-            <p:extLst>
-              <p:ext uri="{386F3935-93C4-4BCD-93E2-E3B085C9AB24}">
-                <p16:designElem xmlns:p16="http://schemas.microsoft.com/office/powerpoint/2015/main" val="1"/>
-              </p:ext>
-            </p:extLst>
-          </p:nvPr>
-        </p:nvSpPr>
-        <p:spPr>
-          <a:xfrm rot="10800000">
-            <a:off x="0" y="0"/>
-            <a:ext cx="2835357" cy="1480837"/>
-          </a:xfrm>
-          <a:custGeom>
-            <a:avLst/>
-            <a:gdLst>
-              <a:gd name="connsiteX0" fmla="*/ 2835357 w 2835357"/>
-              <a:gd name="connsiteY0" fmla="*/ 1480837 h 1480837"/>
-              <a:gd name="connsiteX1" fmla="*/ 0 w 2835357"/>
-              <a:gd name="connsiteY1" fmla="*/ 1480837 h 1480837"/>
-              <a:gd name="connsiteX2" fmla="*/ 1552727 w 2835357"/>
-              <a:gd name="connsiteY2" fmla="*/ 0 h 1480837"/>
-              <a:gd name="connsiteX3" fmla="*/ 2835357 w 2835357"/>
-              <a:gd name="connsiteY3" fmla="*/ 1223245 h 1480837"/>
-            </a:gdLst>
-            <a:ahLst/>
-            <a:cxnLst>
-              <a:cxn ang="0">
-                <a:pos x="connsiteX0" y="connsiteY0"/>
-              </a:cxn>
-              <a:cxn ang="0">
-                <a:pos x="connsiteX1" y="connsiteY1"/>
-              </a:cxn>
-              <a:cxn ang="0">
-                <a:pos x="connsiteX2" y="connsiteY2"/>
-              </a:cxn>
-              <a:cxn ang="0">
-                <a:pos x="connsiteX3" y="connsiteY3"/>
-              </a:cxn>
-            </a:cxnLst>
-            <a:rect l="l" t="t" r="r" b="b"/>
-            <a:pathLst>
-              <a:path w="2835357" h="1480837">
-                <a:moveTo>
-                  <a:pt x="2835357" y="1480837"/>
-                </a:moveTo>
-                <a:lnTo>
-                  <a:pt x="0" y="1480837"/>
-                </a:lnTo>
-                <a:lnTo>
-                  <a:pt x="1552727" y="0"/>
-                </a:lnTo>
-                <a:lnTo>
-                  <a:pt x="2835357" y="1223245"/>
-                </a:lnTo>
-                <a:close/>
-              </a:path>
-            </a:pathLst>
-          </a:custGeom>
-          <a:solidFill>
-            <a:schemeClr val="accent4">
-              <a:alpha val="30000"/>
-            </a:schemeClr>
-          </a:solidFill>
-          <a:ln>
-            <a:noFill/>
-          </a:ln>
-        </p:spPr>
-        <p:style>
-          <a:lnRef idx="2">
-            <a:schemeClr val="accent1">
-              <a:shade val="50000"/>
-            </a:schemeClr>
-          </a:lnRef>
-          <a:fillRef idx="1">
-            <a:schemeClr val="accent1"/>
-          </a:fillRef>
-          <a:effectRef idx="0">
-            <a:schemeClr val="accent1"/>
-          </a:effectRef>
-          <a:fontRef idx="minor">
-            <a:schemeClr val="lt1"/>
-          </a:fontRef>
-        </p:style>
-        <p:txBody>
-          <a:bodyPr wrap="square" rtlCol="0" anchor="ctr">
-            <a:noAutofit/>
-          </a:bodyPr>
-          <a:lstStyle/>
-          <a:p>
-            <a:pPr marL="0" marR="0" lvl="0" indent="0" algn="ctr" defTabSz="914400" rtl="0" eaLnBrk="1" fontAlgn="auto" latinLnBrk="0" hangingPunct="1">
-              <a:lnSpc>
-                <a:spcPct val="100000"/>
-              </a:lnSpc>
-              <a:spcBef>
-                <a:spcPts val="0"/>
-              </a:spcBef>
-              <a:spcAft>
-                <a:spcPts val="0"/>
-              </a:spcAft>
-              <a:buClrTx/>
-              <a:buSzTx/>
-              <a:buFontTx/>
-              <a:buNone/>
-              <a:tabLst/>
-              <a:defRPr/>
-            </a:pPr>
-            <a:endParaRPr kumimoji="0" lang="en-US" sz="1800" b="0" i="0" u="none" strike="noStrike" kern="1200" cap="none" spc="0" normalizeH="0" baseline="0" noProof="0" dirty="0">
-              <a:ln>
-                <a:noFill/>
-              </a:ln>
-              <a:solidFill>
-                <a:prstClr val="white"/>
-              </a:solidFill>
-              <a:effectLst/>
-              <a:uLnTx/>
-              <a:uFillTx/>
-              <a:latin typeface="Calibri" panose="020F0502020204030204"/>
-              <a:ea typeface="+mn-ea"/>
-              <a:cs typeface="+mn-cs"/>
-            </a:endParaRPr>
-          </a:p>
-        </p:txBody>
-      </p:sp>
-      <p:sp>
-        <p:nvSpPr>
-          <p:cNvPr id="14" name="Freeform: Shape 13">
-            <a:extLst>
-              <a:ext uri="{FF2B5EF4-FFF2-40B4-BE49-F238E27FC236}">
-                <a16:creationId xmlns:a16="http://schemas.microsoft.com/office/drawing/2014/main" id="{141ACBDB-38F8-4B34-8183-BD95B4E55A62}"/>
-              </a:ext>
-              <a:ext uri="{C183D7F6-B498-43B3-948B-1728B52AA6E4}">
-                <adec:decorative xmlns:adec="http://schemas.microsoft.com/office/drawing/2017/decorative" val="1"/>
-              </a:ext>
-            </a:extLst>
-          </p:cNvPr>
-          <p:cNvSpPr>
-            <a:spLocks noGrp="1" noRot="1" noChangeAspect="1" noMove="1" noResize="1" noEditPoints="1" noAdjustHandles="1" noChangeArrowheads="1" noChangeShapeType="1" noTextEdit="1"/>
-          </p:cNvSpPr>
-          <p:nvPr>
-            <p:extLst>
-              <p:ext uri="{386F3935-93C4-4BCD-93E2-E3B085C9AB24}">
-                <p16:designElem xmlns:p16="http://schemas.microsoft.com/office/powerpoint/2015/main" val="1"/>
-              </p:ext>
-            </p:extLst>
-          </p:nvPr>
-        </p:nvSpPr>
-        <p:spPr>
-          <a:xfrm rot="2700000">
-            <a:off x="10739327" y="-253670"/>
-            <a:ext cx="1827638" cy="1376989"/>
-          </a:xfrm>
-          <a:custGeom>
-            <a:avLst/>
-            <a:gdLst>
-              <a:gd name="connsiteX0" fmla="*/ 0 w 1827638"/>
-              <a:gd name="connsiteY0" fmla="*/ 987379 h 1376989"/>
-              <a:gd name="connsiteX1" fmla="*/ 987379 w 1827638"/>
-              <a:gd name="connsiteY1" fmla="*/ 0 h 1376989"/>
-              <a:gd name="connsiteX2" fmla="*/ 1827638 w 1827638"/>
-              <a:gd name="connsiteY2" fmla="*/ 840260 h 1376989"/>
-              <a:gd name="connsiteX3" fmla="*/ 1827638 w 1827638"/>
-              <a:gd name="connsiteY3" fmla="*/ 1376989 h 1376989"/>
-              <a:gd name="connsiteX4" fmla="*/ 0 w 1827638"/>
-              <a:gd name="connsiteY4" fmla="*/ 1376989 h 1376989"/>
-            </a:gdLst>
-            <a:ahLst/>
-            <a:cxnLst>
-              <a:cxn ang="0">
-                <a:pos x="connsiteX0" y="connsiteY0"/>
-              </a:cxn>
-              <a:cxn ang="0">
-                <a:pos x="connsiteX1" y="connsiteY1"/>
-              </a:cxn>
-              <a:cxn ang="0">
-                <a:pos x="connsiteX2" y="connsiteY2"/>
-              </a:cxn>
-              <a:cxn ang="0">
-                <a:pos x="connsiteX3" y="connsiteY3"/>
-              </a:cxn>
-              <a:cxn ang="0">
-                <a:pos x="connsiteX4" y="connsiteY4"/>
-              </a:cxn>
-            </a:cxnLst>
-            <a:rect l="l" t="t" r="r" b="b"/>
-            <a:pathLst>
-              <a:path w="1827638" h="1376989">
-                <a:moveTo>
-                  <a:pt x="0" y="987379"/>
-                </a:moveTo>
-                <a:lnTo>
-                  <a:pt x="987379" y="0"/>
-                </a:lnTo>
-                <a:lnTo>
-                  <a:pt x="1827638" y="840260"/>
-                </a:lnTo>
-                <a:lnTo>
-                  <a:pt x="1827638" y="1376989"/>
-                </a:lnTo>
-                <a:lnTo>
-                  <a:pt x="0" y="1376989"/>
-                </a:lnTo>
-                <a:close/>
-              </a:path>
-            </a:pathLst>
-          </a:custGeom>
-          <a:solidFill>
-            <a:schemeClr val="accent1">
-              <a:alpha val="30000"/>
-            </a:schemeClr>
-          </a:solidFill>
-          <a:ln>
-            <a:noFill/>
-          </a:ln>
-        </p:spPr>
-        <p:style>
-          <a:lnRef idx="2">
-            <a:schemeClr val="accent1">
-              <a:shade val="50000"/>
-            </a:schemeClr>
-          </a:lnRef>
-          <a:fillRef idx="1">
-            <a:schemeClr val="accent1"/>
-          </a:fillRef>
-          <a:effectRef idx="0">
-            <a:schemeClr val="accent1"/>
-          </a:effectRef>
-          <a:fontRef idx="minor">
-            <a:schemeClr val="lt1"/>
-          </a:fontRef>
-        </p:style>
-        <p:txBody>
-          <a:bodyPr wrap="square" rtlCol="0" anchor="ctr">
-            <a:noAutofit/>
-          </a:bodyPr>
-          <a:lstStyle/>
-          <a:p>
-            <a:pPr marL="0" marR="0" lvl="0" indent="0" algn="ctr" defTabSz="914400" rtl="0" eaLnBrk="1" fontAlgn="auto" latinLnBrk="0" hangingPunct="1">
-              <a:lnSpc>
-                <a:spcPct val="100000"/>
-              </a:lnSpc>
-              <a:spcBef>
-                <a:spcPts val="0"/>
-              </a:spcBef>
-              <a:spcAft>
-                <a:spcPts val="0"/>
-              </a:spcAft>
-              <a:buClrTx/>
-              <a:buSzTx/>
-              <a:buFontTx/>
-              <a:buNone/>
-              <a:tabLst/>
-              <a:defRPr/>
-            </a:pPr>
-            <a:endParaRPr kumimoji="0" lang="en-US" sz="1800" b="0" i="0" u="none" strike="noStrike" kern="1200" cap="none" spc="0" normalizeH="0" baseline="0" noProof="0" dirty="0">
-              <a:ln>
-                <a:noFill/>
-              </a:ln>
-              <a:solidFill>
-                <a:prstClr val="white"/>
-              </a:solidFill>
-              <a:effectLst/>
-              <a:uLnTx/>
-              <a:uFillTx/>
-              <a:latin typeface="Calibri" panose="020F0502020204030204"/>
-              <a:ea typeface="+mn-ea"/>
-              <a:cs typeface="+mn-cs"/>
-            </a:endParaRPr>
-          </a:p>
-        </p:txBody>
-      </p:sp>
-      <p:sp>
-        <p:nvSpPr>
-          <p:cNvPr id="16" name="Rectangle 15">
-            <a:extLst>
-              <a:ext uri="{FF2B5EF4-FFF2-40B4-BE49-F238E27FC236}">
-                <a16:creationId xmlns:a16="http://schemas.microsoft.com/office/drawing/2014/main" id="{DE00DB52-3455-4E2F-867B-A6D0516E175B}"/>
-              </a:ext>
-              <a:ext uri="{C183D7F6-B498-43B3-948B-1728B52AA6E4}">
-                <adec:decorative xmlns:adec="http://schemas.microsoft.com/office/drawing/2017/decorative" val="1"/>
-              </a:ext>
-            </a:extLst>
-          </p:cNvPr>
-          <p:cNvSpPr>
-            <a:spLocks noGrp="1" noRot="1" noChangeAspect="1" noMove="1" noResize="1" noEditPoints="1" noAdjustHandles="1" noChangeArrowheads="1" noChangeShapeType="1" noTextEdit="1"/>
-          </p:cNvSpPr>
-          <p:nvPr>
-            <p:extLst>
-              <p:ext uri="{386F3935-93C4-4BCD-93E2-E3B085C9AB24}">
-                <p16:designElem xmlns:p16="http://schemas.microsoft.com/office/powerpoint/2015/main" val="1"/>
-              </p:ext>
-            </p:extLst>
-          </p:nvPr>
-        </p:nvSpPr>
-        <p:spPr>
-          <a:xfrm rot="2700000">
-            <a:off x="10653800" y="422146"/>
-            <a:ext cx="645368" cy="645368"/>
-          </a:xfrm>
-          <a:prstGeom prst="rect">
-            <a:avLst/>
-          </a:prstGeom>
-          <a:solidFill>
-            <a:schemeClr val="accent1">
-              <a:alpha val="30000"/>
-            </a:schemeClr>
-          </a:solidFill>
-          <a:ln>
-            <a:noFill/>
-          </a:ln>
-        </p:spPr>
-        <p:style>
-          <a:lnRef idx="2">
-            <a:schemeClr val="accent1">
-              <a:shade val="50000"/>
-            </a:schemeClr>
-          </a:lnRef>
-          <a:fillRef idx="1">
-            <a:schemeClr val="accent1"/>
-          </a:fillRef>
-          <a:effectRef idx="0">
-            <a:schemeClr val="accent1"/>
-          </a:effectRef>
-          <a:fontRef idx="minor">
-            <a:schemeClr val="lt1"/>
-          </a:fontRef>
-        </p:style>
-        <p:txBody>
-          <a:bodyPr wrap="square" rtlCol="0" anchor="ctr">
-            <a:noAutofit/>
-          </a:bodyPr>
-          <a:lstStyle/>
-          <a:p>
-            <a:pPr marL="0" marR="0" lvl="0" indent="0" algn="ctr" defTabSz="914400" rtl="0" eaLnBrk="1" fontAlgn="auto" latinLnBrk="0" hangingPunct="1">
-              <a:lnSpc>
-                <a:spcPct val="100000"/>
-              </a:lnSpc>
-              <a:spcBef>
-                <a:spcPts val="0"/>
-              </a:spcBef>
-              <a:spcAft>
-                <a:spcPts val="0"/>
-              </a:spcAft>
-              <a:buClrTx/>
-              <a:buSzTx/>
-              <a:buFontTx/>
-              <a:buNone/>
-              <a:tabLst/>
-              <a:defRPr/>
-            </a:pPr>
-            <a:endParaRPr kumimoji="0" lang="en-US" sz="1800" b="0" i="0" u="none" strike="noStrike" kern="1200" cap="none" spc="0" normalizeH="0" baseline="0" noProof="0" dirty="0">
-              <a:ln>
-                <a:noFill/>
-              </a:ln>
-              <a:solidFill>
-                <a:prstClr val="white"/>
-              </a:solidFill>
-              <a:effectLst/>
-              <a:uLnTx/>
-              <a:uFillTx/>
-              <a:latin typeface="Calibri" panose="020F0502020204030204"/>
-              <a:ea typeface="+mn-ea"/>
-              <a:cs typeface="+mn-cs"/>
-            </a:endParaRPr>
-          </a:p>
-        </p:txBody>
-      </p:sp>
-      <p:sp>
-        <p:nvSpPr>
-          <p:cNvPr id="18" name="Isosceles Triangle 17">
-            <a:extLst>
-              <a:ext uri="{FF2B5EF4-FFF2-40B4-BE49-F238E27FC236}">
-                <a16:creationId xmlns:a16="http://schemas.microsoft.com/office/drawing/2014/main" id="{9E914C83-E0D8-4953-92D5-169D28CB43AE}"/>
-              </a:ext>
-              <a:ext uri="{C183D7F6-B498-43B3-948B-1728B52AA6E4}">
-                <adec:decorative xmlns:adec="http://schemas.microsoft.com/office/drawing/2017/decorative" val="1"/>
-              </a:ext>
-            </a:extLst>
-          </p:cNvPr>
-          <p:cNvSpPr>
-            <a:spLocks noGrp="1" noRot="1" noChangeAspect="1" noMove="1" noResize="1" noEditPoints="1" noAdjustHandles="1" noChangeArrowheads="1" noChangeShapeType="1" noTextEdit="1"/>
-          </p:cNvSpPr>
-          <p:nvPr>
-            <p:extLst>
-              <p:ext uri="{386F3935-93C4-4BCD-93E2-E3B085C9AB24}">
-                <p16:designElem xmlns:p16="http://schemas.microsoft.com/office/powerpoint/2015/main" val="1"/>
-              </p:ext>
-            </p:extLst>
-          </p:nvPr>
-        </p:nvSpPr>
-        <p:spPr>
-          <a:xfrm>
-            <a:off x="8115423" y="6115501"/>
-            <a:ext cx="1494513" cy="742499"/>
-          </a:xfrm>
-          <a:prstGeom prst="triangle">
-            <a:avLst/>
-          </a:prstGeom>
-          <a:solidFill>
-            <a:schemeClr val="accent1">
-              <a:alpha val="30000"/>
-            </a:schemeClr>
-          </a:solidFill>
-          <a:ln>
-            <a:noFill/>
-          </a:ln>
-        </p:spPr>
-        <p:style>
-          <a:lnRef idx="2">
-            <a:schemeClr val="accent1">
-              <a:shade val="50000"/>
-            </a:schemeClr>
-          </a:lnRef>
-          <a:fillRef idx="1">
-            <a:schemeClr val="accent1"/>
-          </a:fillRef>
-          <a:effectRef idx="0">
-            <a:schemeClr val="accent1"/>
-          </a:effectRef>
-          <a:fontRef idx="minor">
-            <a:schemeClr val="lt1"/>
-          </a:fontRef>
-        </p:style>
-        <p:txBody>
-          <a:bodyPr wrap="square" rtlCol="0" anchor="ctr">
-            <a:noAutofit/>
-          </a:bodyPr>
-          <a:lstStyle/>
-          <a:p>
-            <a:pPr marL="0" marR="0" lvl="0" indent="0" algn="ctr" defTabSz="914400" rtl="0" eaLnBrk="1" fontAlgn="auto" latinLnBrk="0" hangingPunct="1">
-              <a:lnSpc>
-                <a:spcPct val="100000"/>
-              </a:lnSpc>
-              <a:spcBef>
-                <a:spcPts val="0"/>
-              </a:spcBef>
-              <a:spcAft>
-                <a:spcPts val="0"/>
-              </a:spcAft>
-              <a:buClrTx/>
-              <a:buSzTx/>
-              <a:buFontTx/>
-              <a:buNone/>
-              <a:tabLst/>
-              <a:defRPr/>
-            </a:pPr>
-            <a:endParaRPr kumimoji="0" lang="en-US" sz="1800" b="0" i="0" u="none" strike="noStrike" kern="1200" cap="none" spc="0" normalizeH="0" baseline="0" noProof="0" dirty="0">
-              <a:ln>
-                <a:noFill/>
-              </a:ln>
-              <a:solidFill>
-                <a:prstClr val="white"/>
-              </a:solidFill>
-              <a:effectLst/>
-              <a:uLnTx/>
-              <a:uFillTx/>
-              <a:latin typeface="Calibri" panose="020F0502020204030204"/>
-              <a:ea typeface="+mn-ea"/>
-              <a:cs typeface="+mn-cs"/>
-            </a:endParaRPr>
-          </a:p>
-        </p:txBody>
-      </p:sp>
-      <p:sp>
-        <p:nvSpPr>
-          <p:cNvPr id="20" name="Isosceles Triangle 19">
-            <a:extLst>
-              <a:ext uri="{FF2B5EF4-FFF2-40B4-BE49-F238E27FC236}">
-                <a16:creationId xmlns:a16="http://schemas.microsoft.com/office/drawing/2014/main" id="{3512E083-F550-46AF-8490-767ECFD00CB7}"/>
-              </a:ext>
-              <a:ext uri="{C183D7F6-B498-43B3-948B-1728B52AA6E4}">
-                <adec:decorative xmlns:adec="http://schemas.microsoft.com/office/drawing/2017/decorative" val="1"/>
-              </a:ext>
-            </a:extLst>
-          </p:cNvPr>
-          <p:cNvSpPr>
-            <a:spLocks noGrp="1" noRot="1" noChangeAspect="1" noMove="1" noResize="1" noEditPoints="1" noAdjustHandles="1" noChangeArrowheads="1" noChangeShapeType="1" noTextEdit="1"/>
-          </p:cNvSpPr>
-          <p:nvPr>
-            <p:extLst>
-              <p:ext uri="{386F3935-93C4-4BCD-93E2-E3B085C9AB24}">
-                <p16:designElem xmlns:p16="http://schemas.microsoft.com/office/powerpoint/2015/main" val="1"/>
-              </p:ext>
-            </p:extLst>
-          </p:nvPr>
-        </p:nvSpPr>
-        <p:spPr>
-          <a:xfrm>
-            <a:off x="9167297" y="6453143"/>
-            <a:ext cx="814903" cy="404857"/>
-          </a:xfrm>
-          <a:prstGeom prst="triangle">
-            <a:avLst/>
-          </a:prstGeom>
-          <a:solidFill>
-            <a:schemeClr val="accent1">
-              <a:alpha val="30000"/>
-            </a:schemeClr>
-          </a:solidFill>
-          <a:ln>
-            <a:noFill/>
-          </a:ln>
-        </p:spPr>
-        <p:style>
-          <a:lnRef idx="2">
-            <a:schemeClr val="accent1">
-              <a:shade val="50000"/>
-            </a:schemeClr>
-          </a:lnRef>
-          <a:fillRef idx="1">
-            <a:schemeClr val="accent1"/>
-          </a:fillRef>
-          <a:effectRef idx="0">
-            <a:schemeClr val="accent1"/>
-          </a:effectRef>
-          <a:fontRef idx="minor">
-            <a:schemeClr val="lt1"/>
-          </a:fontRef>
-        </p:style>
-        <p:txBody>
-          <a:bodyPr wrap="square" rtlCol="0" anchor="ctr">
-            <a:noAutofit/>
-          </a:bodyPr>
-          <a:lstStyle/>
-          <a:p>
-            <a:pPr marL="0" marR="0" lvl="0" indent="0" algn="ctr" defTabSz="914400" rtl="0" eaLnBrk="1" fontAlgn="auto" latinLnBrk="0" hangingPunct="1">
-              <a:lnSpc>
-                <a:spcPct val="100000"/>
-              </a:lnSpc>
-              <a:spcBef>
-                <a:spcPts val="0"/>
-              </a:spcBef>
-              <a:spcAft>
-                <a:spcPts val="0"/>
-              </a:spcAft>
-              <a:buClrTx/>
-              <a:buSzTx/>
-              <a:buFontTx/>
-              <a:buNone/>
-              <a:tabLst/>
-              <a:defRPr/>
-            </a:pPr>
-            <a:endParaRPr kumimoji="0" lang="en-US" sz="1800" b="0" i="0" u="none" strike="noStrike" kern="1200" cap="none" spc="0" normalizeH="0" baseline="0" noProof="0" dirty="0">
-              <a:ln>
-                <a:noFill/>
-              </a:ln>
-              <a:solidFill>
-                <a:prstClr val="white"/>
-              </a:solidFill>
-              <a:effectLst/>
-              <a:uLnTx/>
-              <a:uFillTx/>
-              <a:latin typeface="Calibri" panose="020F0502020204030204"/>
-              <a:ea typeface="+mn-ea"/>
-              <a:cs typeface="+mn-cs"/>
-            </a:endParaRPr>
-          </a:p>
-        </p:txBody>
-      </p:sp>
-      <p:pic>
-        <p:nvPicPr>
-          <p:cNvPr id="3" name="Inhaltsplatzhalter 2" descr="Überwachungskamera Silhouette">
-            <a:extLst>
-              <a:ext uri="{FF2B5EF4-FFF2-40B4-BE49-F238E27FC236}">
-                <a16:creationId xmlns:a16="http://schemas.microsoft.com/office/drawing/2014/main" id="{DC833A4D-D760-BB91-3147-2159FAFC9D6C}"/>
-              </a:ext>
-            </a:extLst>
-          </p:cNvPr>
-          <p:cNvPicPr>
-            <a:picLocks noGrp="1" noChangeAspect="1"/>
-          </p:cNvPicPr>
-          <p:nvPr>
-            <p:ph idx="1"/>
-          </p:nvPr>
-        </p:nvPicPr>
-        <p:blipFill>
-          <a:blip r:embed="rId3">
-            <a:extLst>
-              <a:ext uri="{28A0092B-C50C-407E-A947-70E740481C1C}">
-                <a14:useLocalDpi xmlns:a14="http://schemas.microsoft.com/office/drawing/2010/main" val="0"/>
-              </a:ext>
-              <a:ext uri="{96DAC541-7B7A-43D3-8B79-37D633B846F1}">
-                <asvg:svgBlip xmlns:asvg="http://schemas.microsoft.com/office/drawing/2016/SVG/main" r:embed="rId4"/>
-              </a:ext>
-            </a:extLst>
-          </a:blip>
-          <a:stretch>
-            <a:fillRect/>
-          </a:stretch>
-        </p:blipFill>
-        <p:spPr>
-          <a:xfrm>
-            <a:off x="4970684" y="3359944"/>
-            <a:ext cx="914400" cy="914400"/>
-          </a:xfrm>
-        </p:spPr>
-      </p:pic>
-      <p:sp>
-        <p:nvSpPr>
-          <p:cNvPr id="15" name="Titel 1">
-            <a:extLst>
-              <a:ext uri="{FF2B5EF4-FFF2-40B4-BE49-F238E27FC236}">
-                <a16:creationId xmlns:a16="http://schemas.microsoft.com/office/drawing/2014/main" id="{FF89AD9F-E6B1-4182-8E88-8C7600983687}"/>
-              </a:ext>
-            </a:extLst>
-          </p:cNvPr>
-          <p:cNvSpPr>
-            <a:spLocks noGrp="1"/>
-          </p:cNvSpPr>
-          <p:nvPr>
-            <p:ph type="title"/>
-          </p:nvPr>
-        </p:nvSpPr>
-        <p:spPr>
-          <a:xfrm>
-            <a:off x="838200" y="365125"/>
-            <a:ext cx="10515600" cy="1325563"/>
-          </a:xfrm>
-        </p:spPr>
-        <p:txBody>
-          <a:bodyPr/>
-          <a:lstStyle/>
-          <a:p>
-            <a:pPr algn="ctr"/>
-            <a:r>
-              <a:rPr lang="de-CH" dirty="0"/>
-              <a:t>LOG/Protokoll</a:t>
-            </a:r>
-          </a:p>
-        </p:txBody>
-      </p:sp>
-      <p:pic>
-        <p:nvPicPr>
-          <p:cNvPr id="5" name="Grafik 4" descr="Schild mit einfarbiger Füllung">
-            <a:extLst>
-              <a:ext uri="{FF2B5EF4-FFF2-40B4-BE49-F238E27FC236}">
-                <a16:creationId xmlns:a16="http://schemas.microsoft.com/office/drawing/2014/main" id="{C48FDA59-1D26-A526-4564-7CB51F0DA1E6}"/>
-              </a:ext>
-            </a:extLst>
-          </p:cNvPr>
-          <p:cNvPicPr>
-            <a:picLocks noChangeAspect="1"/>
-          </p:cNvPicPr>
-          <p:nvPr/>
-        </p:nvPicPr>
-        <p:blipFill>
-          <a:blip r:embed="rId5">
-            <a:extLst>
-              <a:ext uri="{28A0092B-C50C-407E-A947-70E740481C1C}">
-                <a14:useLocalDpi xmlns:a14="http://schemas.microsoft.com/office/drawing/2010/main" val="0"/>
-              </a:ext>
-              <a:ext uri="{96DAC541-7B7A-43D3-8B79-37D633B846F1}">
-                <asvg:svgBlip xmlns:asvg="http://schemas.microsoft.com/office/drawing/2016/SVG/main" r:embed="rId6"/>
-              </a:ext>
-            </a:extLst>
-          </a:blip>
-          <a:stretch>
-            <a:fillRect/>
-          </a:stretch>
-        </p:blipFill>
-        <p:spPr>
-          <a:xfrm>
-            <a:off x="7221317" y="3422808"/>
-            <a:ext cx="914400" cy="914400"/>
-          </a:xfrm>
-          <a:prstGeom prst="rect">
-            <a:avLst/>
-          </a:prstGeom>
-        </p:spPr>
-      </p:pic>
-      <p:pic>
-        <p:nvPicPr>
-          <p:cNvPr id="19" name="Grafik 18" descr="Adressbuch mit einfarbiger Füllung">
-            <a:extLst>
-              <a:ext uri="{FF2B5EF4-FFF2-40B4-BE49-F238E27FC236}">
-                <a16:creationId xmlns:a16="http://schemas.microsoft.com/office/drawing/2014/main" id="{C2544AA9-0AC0-0CB0-92DD-C346352DDAC4}"/>
-              </a:ext>
-            </a:extLst>
-          </p:cNvPr>
-          <p:cNvPicPr>
-            <a:picLocks noChangeAspect="1"/>
-          </p:cNvPicPr>
-          <p:nvPr/>
-        </p:nvPicPr>
-        <p:blipFill>
-          <a:blip r:embed="rId7">
-            <a:extLst>
-              <a:ext uri="{28A0092B-C50C-407E-A947-70E740481C1C}">
-                <a14:useLocalDpi xmlns:a14="http://schemas.microsoft.com/office/drawing/2010/main" val="0"/>
-              </a:ext>
-              <a:ext uri="{96DAC541-7B7A-43D3-8B79-37D633B846F1}">
-                <asvg:svgBlip xmlns:asvg="http://schemas.microsoft.com/office/drawing/2016/SVG/main" r:embed="rId8"/>
-              </a:ext>
-            </a:extLst>
-          </a:blip>
-          <a:stretch>
-            <a:fillRect/>
-          </a:stretch>
-        </p:blipFill>
-        <p:spPr>
-          <a:xfrm>
-            <a:off x="1100908" y="3363694"/>
-            <a:ext cx="914400" cy="914400"/>
-          </a:xfrm>
-          <a:prstGeom prst="rect">
-            <a:avLst/>
-          </a:prstGeom>
-        </p:spPr>
-      </p:pic>
-      <p:pic>
-        <p:nvPicPr>
-          <p:cNvPr id="22" name="Grafik 21" descr="Engelsgesicht mit einfarbiger Füllung mit einfarbiger Füllung">
-            <a:extLst>
-              <a:ext uri="{FF2B5EF4-FFF2-40B4-BE49-F238E27FC236}">
-                <a16:creationId xmlns:a16="http://schemas.microsoft.com/office/drawing/2014/main" id="{A282441A-EFC1-E90D-F6DF-C5B422D49B60}"/>
-              </a:ext>
-            </a:extLst>
-          </p:cNvPr>
-          <p:cNvPicPr>
-            <a:picLocks noChangeAspect="1"/>
-          </p:cNvPicPr>
-          <p:nvPr/>
-        </p:nvPicPr>
-        <p:blipFill>
-          <a:blip r:embed="rId9">
-            <a:extLst>
-              <a:ext uri="{28A0092B-C50C-407E-A947-70E740481C1C}">
-                <a14:useLocalDpi xmlns:a14="http://schemas.microsoft.com/office/drawing/2010/main" val="0"/>
-              </a:ext>
-              <a:ext uri="{96DAC541-7B7A-43D3-8B79-37D633B846F1}">
-                <asvg:svgBlip xmlns:asvg="http://schemas.microsoft.com/office/drawing/2016/SVG/main" r:embed="rId10"/>
-              </a:ext>
-            </a:extLst>
-          </a:blip>
-          <a:stretch>
-            <a:fillRect/>
-          </a:stretch>
-        </p:blipFill>
-        <p:spPr>
-          <a:xfrm>
-            <a:off x="9245919" y="3445894"/>
-            <a:ext cx="914400" cy="914400"/>
-          </a:xfrm>
-          <a:prstGeom prst="rect">
-            <a:avLst/>
-          </a:prstGeom>
-        </p:spPr>
-      </p:pic>
-      <p:pic>
-        <p:nvPicPr>
-          <p:cNvPr id="24" name="Grafik 23" descr="Verärgertes Gesicht mit einfarbiger Füllung mit einfarbiger Füllung">
-            <a:extLst>
-              <a:ext uri="{FF2B5EF4-FFF2-40B4-BE49-F238E27FC236}">
-                <a16:creationId xmlns:a16="http://schemas.microsoft.com/office/drawing/2014/main" id="{D5EBBC55-BC8E-BBDC-E2F7-8C32383B8DCC}"/>
-              </a:ext>
-            </a:extLst>
-          </p:cNvPr>
-          <p:cNvPicPr>
-            <a:picLocks noChangeAspect="1"/>
-          </p:cNvPicPr>
-          <p:nvPr/>
-        </p:nvPicPr>
-        <p:blipFill>
-          <a:blip r:embed="rId11">
-            <a:extLst>
-              <a:ext uri="{28A0092B-C50C-407E-A947-70E740481C1C}">
-                <a14:useLocalDpi xmlns:a14="http://schemas.microsoft.com/office/drawing/2010/main" val="0"/>
-              </a:ext>
-              <a:ext uri="{96DAC541-7B7A-43D3-8B79-37D633B846F1}">
-                <asvg:svgBlip xmlns:asvg="http://schemas.microsoft.com/office/drawing/2016/SVG/main" r:embed="rId12"/>
-              </a:ext>
-            </a:extLst>
-          </a:blip>
-          <a:stretch>
-            <a:fillRect/>
-          </a:stretch>
-        </p:blipFill>
-        <p:spPr>
-          <a:xfrm>
-            <a:off x="2974169" y="3422808"/>
-            <a:ext cx="914400" cy="914400"/>
-          </a:xfrm>
-          <a:prstGeom prst="rect">
-            <a:avLst/>
-          </a:prstGeom>
-        </p:spPr>
-      </p:pic>
-    </p:spTree>
-    <p:extLst>
-      <p:ext uri="{BB962C8B-B14F-4D97-AF65-F5344CB8AC3E}">
-        <p14:creationId xmlns:p14="http://schemas.microsoft.com/office/powerpoint/2010/main" val="3061117694"/>
-      </p:ext>
-    </p:extLst>
-  </p:cSld>
-  <p:clrMapOvr>
-    <a:masterClrMapping/>
-  </p:clrMapOvr>
 </p:sld>
 </file>
 
